--- a/Final_Project DaoyuanChen_ HaopengHU.pptx
+++ b/Final_Project DaoyuanChen_ HaopengHU.pptx
@@ -7,7 +7,7 @@
     <p:sldMasterId id="2147483664" r:id="rId3"/>
   </p:sldMasterIdLst>
   <p:notesMasterIdLst>
-    <p:notesMasterId r:id="rId22"/>
+    <p:notesMasterId r:id="rId24"/>
   </p:notesMasterIdLst>
   <p:sldIdLst>
     <p:sldId id="256" r:id="rId4"/>
@@ -24,27 +24,29 @@
     <p:sldId id="284" r:id="rId15"/>
     <p:sldId id="285" r:id="rId16"/>
     <p:sldId id="286" r:id="rId17"/>
-    <p:sldId id="288" r:id="rId18"/>
-    <p:sldId id="289" r:id="rId19"/>
-    <p:sldId id="287" r:id="rId20"/>
-    <p:sldId id="275" r:id="rId21"/>
+    <p:sldId id="290" r:id="rId18"/>
+    <p:sldId id="288" r:id="rId19"/>
+    <p:sldId id="289" r:id="rId20"/>
+    <p:sldId id="291" r:id="rId21"/>
+    <p:sldId id="287" r:id="rId22"/>
+    <p:sldId id="275" r:id="rId23"/>
   </p:sldIdLst>
   <p:sldSz cx="9144000" cy="6858000" type="screen4x3"/>
   <p:notesSz cx="6858000" cy="9144000"/>
   <p:embeddedFontLst>
     <p:embeddedFont>
       <p:font typeface="Calibri" panose="020F0502020204030204" pitchFamily="34" charset="0"/>
-      <p:regular r:id="rId23"/>
-      <p:bold r:id="rId24"/>
-      <p:italic r:id="rId25"/>
-      <p:boldItalic r:id="rId26"/>
+      <p:regular r:id="rId25"/>
+      <p:bold r:id="rId26"/>
+      <p:italic r:id="rId27"/>
+      <p:boldItalic r:id="rId28"/>
     </p:embeddedFont>
     <p:embeddedFont>
       <p:font typeface="Century Gothic" panose="020B0502020202020204" pitchFamily="34" charset="0"/>
-      <p:regular r:id="rId27"/>
-      <p:bold r:id="rId28"/>
-      <p:italic r:id="rId29"/>
-      <p:boldItalic r:id="rId30"/>
+      <p:regular r:id="rId29"/>
+      <p:bold r:id="rId30"/>
+      <p:italic r:id="rId31"/>
+      <p:boldItalic r:id="rId32"/>
     </p:embeddedFont>
   </p:embeddedFontLst>
   <p:defaultTextStyle>
@@ -2253,6 +2255,115 @@
     </p:spTree>
     <p:extLst>
       <p:ext uri="{BB962C8B-B14F-4D97-AF65-F5344CB8AC3E}">
+        <p14:creationId xmlns:p14="http://schemas.microsoft.com/office/powerpoint/2010/main" val="4163098785"/>
+      </p:ext>
+    </p:extLst>
+  </p:cSld>
+  <p:clrMapOvr>
+    <a:masterClrMapping/>
+  </p:clrMapOvr>
+</p:notes>
+</file>
+
+<file path=ppt/notesSlides/notesSlide16.xml><?xml version="1.0" encoding="utf-8"?>
+<p:notes xmlns:a="http://schemas.openxmlformats.org/drawingml/2006/main" xmlns:r="http://schemas.openxmlformats.org/officeDocument/2006/relationships" xmlns:p="http://schemas.openxmlformats.org/presentationml/2006/main" showMasterSp="0" showMasterPhAnim="0">
+  <p:cSld>
+    <p:spTree>
+      <p:nvGrpSpPr>
+        <p:cNvPr id="1" name="Shape 239"/>
+        <p:cNvGrpSpPr/>
+        <p:nvPr/>
+      </p:nvGrpSpPr>
+      <p:grpSpPr>
+        <a:xfrm>
+          <a:off x="0" y="0"/>
+          <a:ext cx="0" cy="0"/>
+          <a:chOff x="0" y="0"/>
+          <a:chExt cx="0" cy="0"/>
+        </a:xfrm>
+      </p:grpSpPr>
+      <p:sp>
+        <p:nvSpPr>
+          <p:cNvPr id="240" name="Google Shape;240;g7585aee8c9_0_0:notes"/>
+          <p:cNvSpPr txBox="1">
+            <a:spLocks noGrp="1"/>
+          </p:cNvSpPr>
+          <p:nvPr>
+            <p:ph type="body" idx="1"/>
+          </p:nvPr>
+        </p:nvSpPr>
+        <p:spPr>
+          <a:xfrm>
+            <a:off x="685800" y="4343400"/>
+            <a:ext cx="5486400" cy="4114800"/>
+          </a:xfrm>
+          <a:prstGeom prst="rect">
+            <a:avLst/>
+          </a:prstGeom>
+        </p:spPr>
+        <p:txBody>
+          <a:bodyPr spcFirstLastPara="1" wrap="square" lIns="91425" tIns="45700" rIns="91425" bIns="45700" anchor="t" anchorCtr="0">
+            <a:noAutofit/>
+          </a:bodyPr>
+          <a:lstStyle/>
+          <a:p>
+            <a:pPr marL="0" lvl="0" indent="0" algn="l" rtl="0">
+              <a:spcBef>
+                <a:spcPts val="0"/>
+              </a:spcBef>
+              <a:spcAft>
+                <a:spcPts val="0"/>
+              </a:spcAft>
+              <a:buNone/>
+            </a:pPr>
+            <a:endParaRPr dirty="0"/>
+          </a:p>
+        </p:txBody>
+      </p:sp>
+      <p:sp>
+        <p:nvSpPr>
+          <p:cNvPr id="241" name="Google Shape;241;g7585aee8c9_0_0:notes"/>
+          <p:cNvSpPr>
+            <a:spLocks noGrp="1" noRot="1" noChangeAspect="1"/>
+          </p:cNvSpPr>
+          <p:nvPr>
+            <p:ph type="sldImg" idx="2"/>
+          </p:nvPr>
+        </p:nvSpPr>
+        <p:spPr>
+          <a:xfrm>
+            <a:off x="1143000" y="685800"/>
+            <a:ext cx="4572000" cy="3429000"/>
+          </a:xfrm>
+          <a:custGeom>
+            <a:avLst/>
+            <a:gdLst/>
+            <a:ahLst/>
+            <a:cxnLst/>
+            <a:rect l="l" t="t" r="r" b="b"/>
+            <a:pathLst>
+              <a:path w="120000" h="120000" extrusionOk="0">
+                <a:moveTo>
+                  <a:pt x="0" y="0"/>
+                </a:moveTo>
+                <a:lnTo>
+                  <a:pt x="120000" y="0"/>
+                </a:lnTo>
+                <a:lnTo>
+                  <a:pt x="120000" y="120000"/>
+                </a:lnTo>
+                <a:lnTo>
+                  <a:pt x="0" y="120000"/>
+                </a:lnTo>
+                <a:close/>
+              </a:path>
+            </a:pathLst>
+          </a:custGeom>
+        </p:spPr>
+      </p:sp>
+    </p:spTree>
+    <p:extLst>
+      <p:ext uri="{BB962C8B-B14F-4D97-AF65-F5344CB8AC3E}">
         <p14:creationId xmlns:p14="http://schemas.microsoft.com/office/powerpoint/2010/main" val="349046978"/>
       </p:ext>
     </p:extLst>
@@ -2263,7 +2374,7 @@
 </p:notes>
 </file>
 
-<file path=ppt/notesSlides/notesSlide16.xml><?xml version="1.0" encoding="utf-8"?>
+<file path=ppt/notesSlides/notesSlide17.xml><?xml version="1.0" encoding="utf-8"?>
 <p:notes xmlns:a="http://schemas.openxmlformats.org/drawingml/2006/main" xmlns:r="http://schemas.openxmlformats.org/officeDocument/2006/relationships" xmlns:p="http://schemas.openxmlformats.org/presentationml/2006/main" showMasterSp="0" showMasterPhAnim="0">
   <p:cSld>
     <p:spTree>
@@ -2372,7 +2483,116 @@
 </p:notes>
 </file>
 
-<file path=ppt/notesSlides/notesSlide17.xml><?xml version="1.0" encoding="utf-8"?>
+<file path=ppt/notesSlides/notesSlide18.xml><?xml version="1.0" encoding="utf-8"?>
+<p:notes xmlns:a="http://schemas.openxmlformats.org/drawingml/2006/main" xmlns:r="http://schemas.openxmlformats.org/officeDocument/2006/relationships" xmlns:p="http://schemas.openxmlformats.org/presentationml/2006/main" showMasterSp="0" showMasterPhAnim="0">
+  <p:cSld>
+    <p:spTree>
+      <p:nvGrpSpPr>
+        <p:cNvPr id="1" name="Shape 239"/>
+        <p:cNvGrpSpPr/>
+        <p:nvPr/>
+      </p:nvGrpSpPr>
+      <p:grpSpPr>
+        <a:xfrm>
+          <a:off x="0" y="0"/>
+          <a:ext cx="0" cy="0"/>
+          <a:chOff x="0" y="0"/>
+          <a:chExt cx="0" cy="0"/>
+        </a:xfrm>
+      </p:grpSpPr>
+      <p:sp>
+        <p:nvSpPr>
+          <p:cNvPr id="240" name="Google Shape;240;g7585aee8c9_0_0:notes"/>
+          <p:cNvSpPr txBox="1">
+            <a:spLocks noGrp="1"/>
+          </p:cNvSpPr>
+          <p:nvPr>
+            <p:ph type="body" idx="1"/>
+          </p:nvPr>
+        </p:nvSpPr>
+        <p:spPr>
+          <a:xfrm>
+            <a:off x="685800" y="4343400"/>
+            <a:ext cx="5486400" cy="4114800"/>
+          </a:xfrm>
+          <a:prstGeom prst="rect">
+            <a:avLst/>
+          </a:prstGeom>
+        </p:spPr>
+        <p:txBody>
+          <a:bodyPr spcFirstLastPara="1" wrap="square" lIns="91425" tIns="45700" rIns="91425" bIns="45700" anchor="t" anchorCtr="0">
+            <a:noAutofit/>
+          </a:bodyPr>
+          <a:lstStyle/>
+          <a:p>
+            <a:pPr marL="0" lvl="0" indent="0" algn="l" rtl="0">
+              <a:spcBef>
+                <a:spcPts val="0"/>
+              </a:spcBef>
+              <a:spcAft>
+                <a:spcPts val="0"/>
+              </a:spcAft>
+              <a:buNone/>
+            </a:pPr>
+            <a:endParaRPr dirty="0"/>
+          </a:p>
+        </p:txBody>
+      </p:sp>
+      <p:sp>
+        <p:nvSpPr>
+          <p:cNvPr id="241" name="Google Shape;241;g7585aee8c9_0_0:notes"/>
+          <p:cNvSpPr>
+            <a:spLocks noGrp="1" noRot="1" noChangeAspect="1"/>
+          </p:cNvSpPr>
+          <p:nvPr>
+            <p:ph type="sldImg" idx="2"/>
+          </p:nvPr>
+        </p:nvSpPr>
+        <p:spPr>
+          <a:xfrm>
+            <a:off x="1143000" y="685800"/>
+            <a:ext cx="4572000" cy="3429000"/>
+          </a:xfrm>
+          <a:custGeom>
+            <a:avLst/>
+            <a:gdLst/>
+            <a:ahLst/>
+            <a:cxnLst/>
+            <a:rect l="l" t="t" r="r" b="b"/>
+            <a:pathLst>
+              <a:path w="120000" h="120000" extrusionOk="0">
+                <a:moveTo>
+                  <a:pt x="0" y="0"/>
+                </a:moveTo>
+                <a:lnTo>
+                  <a:pt x="120000" y="0"/>
+                </a:lnTo>
+                <a:lnTo>
+                  <a:pt x="120000" y="120000"/>
+                </a:lnTo>
+                <a:lnTo>
+                  <a:pt x="0" y="120000"/>
+                </a:lnTo>
+                <a:close/>
+              </a:path>
+            </a:pathLst>
+          </a:custGeom>
+        </p:spPr>
+      </p:sp>
+    </p:spTree>
+    <p:extLst>
+      <p:ext uri="{BB962C8B-B14F-4D97-AF65-F5344CB8AC3E}">
+        <p14:creationId xmlns:p14="http://schemas.microsoft.com/office/powerpoint/2010/main" val="833663023"/>
+      </p:ext>
+    </p:extLst>
+  </p:cSld>
+  <p:clrMapOvr>
+    <a:masterClrMapping/>
+  </p:clrMapOvr>
+</p:notes>
+</file>
+
+<file path=ppt/notesSlides/notesSlide19.xml><?xml version="1.0" encoding="utf-8"?>
 <p:notes xmlns:a="http://schemas.openxmlformats.org/drawingml/2006/main" xmlns:r="http://schemas.openxmlformats.org/officeDocument/2006/relationships" xmlns:p="http://schemas.openxmlformats.org/presentationml/2006/main" showMasterSp="0" showMasterPhAnim="0">
   <p:cSld>
     <p:spTree>
@@ -2481,12 +2701,12 @@
 </p:notes>
 </file>
 
-<file path=ppt/notesSlides/notesSlide18.xml><?xml version="1.0" encoding="utf-8"?>
+<file path=ppt/notesSlides/notesSlide2.xml><?xml version="1.0" encoding="utf-8"?>
 <p:notes xmlns:a="http://schemas.openxmlformats.org/drawingml/2006/main" xmlns:r="http://schemas.openxmlformats.org/officeDocument/2006/relationships" xmlns:p="http://schemas.openxmlformats.org/presentationml/2006/main" showMasterSp="0" showMasterPhAnim="0">
   <p:cSld>
     <p:spTree>
       <p:nvGrpSpPr>
-        <p:cNvPr id="1" name="Shape 385"/>
+        <p:cNvPr id="1" name="Shape 211"/>
         <p:cNvGrpSpPr/>
         <p:nvPr/>
       </p:nvGrpSpPr>
@@ -2500,7 +2720,7 @@
       </p:grpSpPr>
       <p:sp>
         <p:nvSpPr>
-          <p:cNvPr id="386" name="Google Shape;386;p17:notes"/>
+          <p:cNvPr id="212" name="Google Shape;212;p2:notes"/>
           <p:cNvSpPr txBox="1">
             <a:spLocks noGrp="1"/>
           </p:cNvSpPr>
@@ -2538,7 +2758,7 @@
       </p:sp>
       <p:sp>
         <p:nvSpPr>
-          <p:cNvPr id="387" name="Google Shape;387;p17:notes"/>
+          <p:cNvPr id="213" name="Google Shape;213;p2:notes"/>
           <p:cNvSpPr>
             <a:spLocks noGrp="1" noRot="1" noChangeAspect="1"/>
           </p:cNvSpPr>
@@ -2585,12 +2805,12 @@
 </p:notes>
 </file>
 
-<file path=ppt/notesSlides/notesSlide2.xml><?xml version="1.0" encoding="utf-8"?>
+<file path=ppt/notesSlides/notesSlide20.xml><?xml version="1.0" encoding="utf-8"?>
 <p:notes xmlns:a="http://schemas.openxmlformats.org/drawingml/2006/main" xmlns:r="http://schemas.openxmlformats.org/officeDocument/2006/relationships" xmlns:p="http://schemas.openxmlformats.org/presentationml/2006/main" showMasterSp="0" showMasterPhAnim="0">
   <p:cSld>
     <p:spTree>
       <p:nvGrpSpPr>
-        <p:cNvPr id="1" name="Shape 211"/>
+        <p:cNvPr id="1" name="Shape 385"/>
         <p:cNvGrpSpPr/>
         <p:nvPr/>
       </p:nvGrpSpPr>
@@ -2604,7 +2824,7 @@
       </p:grpSpPr>
       <p:sp>
         <p:nvSpPr>
-          <p:cNvPr id="212" name="Google Shape;212;p2:notes"/>
+          <p:cNvPr id="386" name="Google Shape;386;p17:notes"/>
           <p:cNvSpPr txBox="1">
             <a:spLocks noGrp="1"/>
           </p:cNvSpPr>
@@ -2642,7 +2862,7 @@
       </p:sp>
       <p:sp>
         <p:nvSpPr>
-          <p:cNvPr id="213" name="Google Shape;213;p2:notes"/>
+          <p:cNvPr id="387" name="Google Shape;387;p17:notes"/>
           <p:cNvSpPr>
             <a:spLocks noGrp="1" noRot="1" noChangeAspect="1"/>
           </p:cNvSpPr>
@@ -19774,7 +19994,7 @@
         </p:nvSpPr>
         <p:spPr>
           <a:xfrm>
-            <a:off x="123825" y="1160891"/>
+            <a:off x="123824" y="1209755"/>
             <a:ext cx="5813988" cy="1397116"/>
           </a:xfrm>
           <a:prstGeom prst="rect">
@@ -19817,7 +20037,19 @@
                 <a:cs typeface="Times New Roman"/>
                 <a:sym typeface="Times New Roman"/>
               </a:rPr>
-              <a:t>Final Project</a:t>
+              <a:t>Team </a:t>
+            </a:r>
+            <a:r>
+              <a:rPr lang="en-US" dirty="0" err="1">
+                <a:solidFill>
+                  <a:srgbClr val="002060"/>
+                </a:solidFill>
+                <a:latin typeface="Times New Roman"/>
+                <a:ea typeface="Times New Roman"/>
+                <a:cs typeface="Times New Roman"/>
+                <a:sym typeface="Times New Roman"/>
+              </a:rPr>
+              <a:t>Diaosi</a:t>
             </a:r>
             <a:endParaRPr dirty="0">
               <a:solidFill>
@@ -20333,48 +20565,6 @@
               <a:t>Predict STATUS using CART</a:t>
             </a:r>
             <a:endParaRPr dirty="0"/>
-          </a:p>
-        </p:txBody>
-      </p:sp>
-      <p:sp>
-        <p:nvSpPr>
-          <p:cNvPr id="246" name="Google Shape;246;g7585aee8c9_0_0"/>
-          <p:cNvSpPr txBox="1"/>
-          <p:nvPr/>
-        </p:nvSpPr>
-        <p:spPr>
-          <a:xfrm>
-            <a:off x="0" y="6460950"/>
-            <a:ext cx="2023200" cy="365100"/>
-          </a:xfrm>
-          <a:prstGeom prst="rect">
-            <a:avLst/>
-          </a:prstGeom>
-          <a:noFill/>
-          <a:ln>
-            <a:noFill/>
-          </a:ln>
-        </p:spPr>
-        <p:txBody>
-          <a:bodyPr spcFirstLastPara="1" wrap="square" lIns="91425" tIns="91425" rIns="91425" bIns="91425" anchor="t" anchorCtr="0">
-            <a:noAutofit/>
-          </a:bodyPr>
-          <a:lstStyle/>
-          <a:p>
-            <a:pPr marL="0" lvl="0" indent="0" algn="l" rtl="0">
-              <a:spcBef>
-                <a:spcPts val="0"/>
-              </a:spcBef>
-              <a:spcAft>
-                <a:spcPts val="0"/>
-              </a:spcAft>
-              <a:buNone/>
-            </a:pPr>
-            <a:r>
-              <a:rPr lang="en-US"/>
-              <a:t>Haopeng Hu</a:t>
-            </a:r>
-            <a:endParaRPr/>
           </a:p>
         </p:txBody>
       </p:sp>
@@ -20875,48 +21065,6 @@
           </a:p>
         </p:txBody>
       </p:sp>
-      <p:sp>
-        <p:nvSpPr>
-          <p:cNvPr id="246" name="Google Shape;246;g7585aee8c9_0_0"/>
-          <p:cNvSpPr txBox="1"/>
-          <p:nvPr/>
-        </p:nvSpPr>
-        <p:spPr>
-          <a:xfrm>
-            <a:off x="0" y="6460950"/>
-            <a:ext cx="2023200" cy="365100"/>
-          </a:xfrm>
-          <a:prstGeom prst="rect">
-            <a:avLst/>
-          </a:prstGeom>
-          <a:noFill/>
-          <a:ln>
-            <a:noFill/>
-          </a:ln>
-        </p:spPr>
-        <p:txBody>
-          <a:bodyPr spcFirstLastPara="1" wrap="square" lIns="91425" tIns="91425" rIns="91425" bIns="91425" anchor="t" anchorCtr="0">
-            <a:noAutofit/>
-          </a:bodyPr>
-          <a:lstStyle/>
-          <a:p>
-            <a:pPr marL="0" lvl="0" indent="0" algn="l" rtl="0">
-              <a:spcBef>
-                <a:spcPts val="0"/>
-              </a:spcBef>
-              <a:spcAft>
-                <a:spcPts val="0"/>
-              </a:spcAft>
-              <a:buNone/>
-            </a:pPr>
-            <a:r>
-              <a:rPr lang="en-US"/>
-              <a:t>Haopeng Hu</a:t>
-            </a:r>
-            <a:endParaRPr/>
-          </a:p>
-        </p:txBody>
-      </p:sp>
       <p:pic>
         <p:nvPicPr>
           <p:cNvPr id="2" name="图片 1">
@@ -21192,7 +21340,7 @@
                 <a:cs typeface="Times New Roman"/>
                 <a:sym typeface="Times New Roman"/>
               </a:rPr>
-              <a:t>pretreatment</a:t>
+              <a:t>data preprocessing</a:t>
             </a:r>
             <a:r>
               <a:rPr lang="en-US" sz="1800" b="1" dirty="0">
@@ -21207,26 +21355,8 @@
                 <a:cs typeface="Times New Roman"/>
                 <a:sym typeface="Times New Roman"/>
               </a:rPr>
-              <a:t>  as following.</a:t>
+              <a:t> as following.</a:t>
             </a:r>
-          </a:p>
-          <a:p>
-            <a:pPr marL="0" indent="0">
-              <a:buSzPts val="2000"/>
-              <a:buNone/>
-            </a:pPr>
-            <a:endParaRPr lang="en-US" sz="1800" b="1" dirty="0">
-              <a:solidFill>
-                <a:schemeClr val="dk2"/>
-              </a:solidFill>
-              <a:highlight>
-                <a:srgbClr val="FFFFFF"/>
-              </a:highlight>
-              <a:latin typeface="Times New Roman"/>
-              <a:ea typeface="Times New Roman"/>
-              <a:cs typeface="Times New Roman"/>
-              <a:sym typeface="Times New Roman"/>
-            </a:endParaRPr>
           </a:p>
           <a:p>
             <a:pPr marL="0" indent="0">
@@ -21666,48 +21796,6 @@
               <a:t>Predict STATUS using ANN</a:t>
             </a:r>
             <a:endParaRPr dirty="0"/>
-          </a:p>
-        </p:txBody>
-      </p:sp>
-      <p:sp>
-        <p:nvSpPr>
-          <p:cNvPr id="246" name="Google Shape;246;g7585aee8c9_0_0"/>
-          <p:cNvSpPr txBox="1"/>
-          <p:nvPr/>
-        </p:nvSpPr>
-        <p:spPr>
-          <a:xfrm>
-            <a:off x="0" y="6460950"/>
-            <a:ext cx="2023200" cy="365100"/>
-          </a:xfrm>
-          <a:prstGeom prst="rect">
-            <a:avLst/>
-          </a:prstGeom>
-          <a:noFill/>
-          <a:ln>
-            <a:noFill/>
-          </a:ln>
-        </p:spPr>
-        <p:txBody>
-          <a:bodyPr spcFirstLastPara="1" wrap="square" lIns="91425" tIns="91425" rIns="91425" bIns="91425" anchor="t" anchorCtr="0">
-            <a:noAutofit/>
-          </a:bodyPr>
-          <a:lstStyle/>
-          <a:p>
-            <a:pPr marL="0" lvl="0" indent="0" algn="l" rtl="0">
-              <a:spcBef>
-                <a:spcPts val="0"/>
-              </a:spcBef>
-              <a:spcAft>
-                <a:spcPts val="0"/>
-              </a:spcAft>
-              <a:buNone/>
-            </a:pPr>
-            <a:r>
-              <a:rPr lang="en-US"/>
-              <a:t>Haopeng Hu</a:t>
-            </a:r>
-            <a:endParaRPr/>
           </a:p>
         </p:txBody>
       </p:sp>
@@ -21879,7 +21967,7 @@
                                         <p:tgtEl>
                                           <p:spTgt spid="243">
                                             <p:txEl>
-                                              <p:pRg st="7" end="7"/>
+                                              <p:pRg st="6" end="6"/>
                                             </p:txEl>
                                           </p:spTgt>
                                         </p:tgtEl>
@@ -21897,7 +21985,7 @@
                                         <p:tgtEl>
                                           <p:spTgt spid="243">
                                             <p:txEl>
-                                              <p:pRg st="7" end="7"/>
+                                              <p:pRg st="6" end="6"/>
                                             </p:txEl>
                                           </p:spTgt>
                                         </p:tgtEl>
@@ -21940,7 +22028,7 @@
                                         <p:tgtEl>
                                           <p:spTgt spid="243">
                                             <p:txEl>
-                                              <p:pRg st="9" end="9"/>
+                                              <p:pRg st="8" end="8"/>
                                             </p:txEl>
                                           </p:spTgt>
                                         </p:tgtEl>
@@ -21958,7 +22046,7 @@
                                         <p:tgtEl>
                                           <p:spTgt spid="243">
                                             <p:txEl>
-                                              <p:pRg st="9" end="9"/>
+                                              <p:pRg st="8" end="8"/>
                                             </p:txEl>
                                           </p:spTgt>
                                         </p:tgtEl>
@@ -22001,7 +22089,7 @@
                                         <p:tgtEl>
                                           <p:spTgt spid="243">
                                             <p:txEl>
-                                              <p:pRg st="11" end="11"/>
+                                              <p:pRg st="10" end="10"/>
                                             </p:txEl>
                                           </p:spTgt>
                                         </p:tgtEl>
@@ -22019,7 +22107,7 @@
                                         <p:tgtEl>
                                           <p:spTgt spid="243">
                                             <p:txEl>
-                                              <p:pRg st="11" end="11"/>
+                                              <p:pRg st="10" end="10"/>
                                             </p:txEl>
                                           </p:spTgt>
                                         </p:tgtEl>
@@ -22062,7 +22150,7 @@
                                         <p:tgtEl>
                                           <p:spTgt spid="243">
                                             <p:txEl>
-                                              <p:pRg st="13" end="13"/>
+                                              <p:pRg st="12" end="12"/>
                                             </p:txEl>
                                           </p:spTgt>
                                         </p:tgtEl>
@@ -22080,7 +22168,7 @@
                                         <p:tgtEl>
                                           <p:spTgt spid="243">
                                             <p:txEl>
-                                              <p:pRg st="13" end="13"/>
+                                              <p:pRg st="12" end="12"/>
                                             </p:txEl>
                                           </p:spTgt>
                                         </p:tgtEl>
@@ -22465,48 +22553,6 @@
               <a:t>Predict STATUS using ANN</a:t>
             </a:r>
             <a:endParaRPr dirty="0"/>
-          </a:p>
-        </p:txBody>
-      </p:sp>
-      <p:sp>
-        <p:nvSpPr>
-          <p:cNvPr id="246" name="Google Shape;246;g7585aee8c9_0_0"/>
-          <p:cNvSpPr txBox="1"/>
-          <p:nvPr/>
-        </p:nvSpPr>
-        <p:spPr>
-          <a:xfrm>
-            <a:off x="0" y="6460950"/>
-            <a:ext cx="2023200" cy="365100"/>
-          </a:xfrm>
-          <a:prstGeom prst="rect">
-            <a:avLst/>
-          </a:prstGeom>
-          <a:noFill/>
-          <a:ln>
-            <a:noFill/>
-          </a:ln>
-        </p:spPr>
-        <p:txBody>
-          <a:bodyPr spcFirstLastPara="1" wrap="square" lIns="91425" tIns="91425" rIns="91425" bIns="91425" anchor="t" anchorCtr="0">
-            <a:noAutofit/>
-          </a:bodyPr>
-          <a:lstStyle/>
-          <a:p>
-            <a:pPr marL="0" lvl="0" indent="0" algn="l" rtl="0">
-              <a:spcBef>
-                <a:spcPts val="0"/>
-              </a:spcBef>
-              <a:spcAft>
-                <a:spcPts val="0"/>
-              </a:spcAft>
-              <a:buNone/>
-            </a:pPr>
-            <a:r>
-              <a:rPr lang="en-US"/>
-              <a:t>Haopeng Hu</a:t>
-            </a:r>
-            <a:endParaRPr/>
           </a:p>
         </p:txBody>
       </p:sp>
@@ -22898,48 +22944,6 @@
               <a:t>Predict STATUS using ANN</a:t>
             </a:r>
             <a:endParaRPr dirty="0"/>
-          </a:p>
-        </p:txBody>
-      </p:sp>
-      <p:sp>
-        <p:nvSpPr>
-          <p:cNvPr id="246" name="Google Shape;246;g7585aee8c9_0_0"/>
-          <p:cNvSpPr txBox="1"/>
-          <p:nvPr/>
-        </p:nvSpPr>
-        <p:spPr>
-          <a:xfrm>
-            <a:off x="0" y="6460950"/>
-            <a:ext cx="2023200" cy="365100"/>
-          </a:xfrm>
-          <a:prstGeom prst="rect">
-            <a:avLst/>
-          </a:prstGeom>
-          <a:noFill/>
-          <a:ln>
-            <a:noFill/>
-          </a:ln>
-        </p:spPr>
-        <p:txBody>
-          <a:bodyPr spcFirstLastPara="1" wrap="square" lIns="91425" tIns="91425" rIns="91425" bIns="91425" anchor="t" anchorCtr="0">
-            <a:noAutofit/>
-          </a:bodyPr>
-          <a:lstStyle/>
-          <a:p>
-            <a:pPr marL="0" lvl="0" indent="0" algn="l" rtl="0">
-              <a:spcBef>
-                <a:spcPts val="0"/>
-              </a:spcBef>
-              <a:spcAft>
-                <a:spcPts val="0"/>
-              </a:spcAft>
-              <a:buNone/>
-            </a:pPr>
-            <a:r>
-              <a:rPr lang="en-US"/>
-              <a:t>Haopeng Hu</a:t>
-            </a:r>
-            <a:endParaRPr/>
           </a:p>
         </p:txBody>
       </p:sp>
@@ -23037,7 +23041,7 @@
               <a:buNone/>
             </a:pPr>
             <a:r>
-              <a:rPr lang="en-US" altLang="zh-CN" sz="2400" b="1" dirty="0">
+              <a:rPr lang="en-US" sz="1800" b="1" dirty="0">
                 <a:solidFill>
                   <a:schemeClr val="dk2"/>
                 </a:solidFill>
@@ -23046,7 +23050,7 @@
                 <a:cs typeface="Times New Roman"/>
                 <a:sym typeface="Times New Roman"/>
               </a:rPr>
-              <a:t>Model for Random Forest </a:t>
+              <a:t>Build the confusion matrix and plot it(ANN model’s Prediction visible).</a:t>
             </a:r>
           </a:p>
           <a:p>
@@ -23054,23 +23058,8 @@
               <a:buSzPts val="2000"/>
               <a:buNone/>
             </a:pPr>
-            <a:endParaRPr lang="en-US" altLang="zh-CN" sz="2400" b="1" dirty="0">
-              <a:solidFill>
-                <a:schemeClr val="dk2"/>
-              </a:solidFill>
-              <a:latin typeface="Times New Roman"/>
-              <a:ea typeface="Times New Roman"/>
-              <a:cs typeface="Times New Roman"/>
-              <a:sym typeface="Times New Roman"/>
-            </a:endParaRPr>
-          </a:p>
-          <a:p>
-            <a:pPr marL="0" indent="0">
-              <a:buSzPts val="2000"/>
-              <a:buNone/>
-            </a:pPr>
-            <a:r>
-              <a:rPr lang="en-US" altLang="zh-CN" sz="1800" b="1" dirty="0">
+            <a:br>
+              <a:rPr lang="en-US" sz="1800" b="1" dirty="0">
                 <a:solidFill>
                   <a:schemeClr val="dk2"/>
                 </a:solidFill>
@@ -23079,77 +23068,7 @@
                 <a:cs typeface="Times New Roman"/>
                 <a:sym typeface="Times New Roman"/>
               </a:rPr>
-              <a:t>For Random Forest Model, we must do some pretreatment as same as ANN model.</a:t>
-            </a:r>
-          </a:p>
-          <a:p>
-            <a:pPr marL="0" indent="0">
-              <a:buSzPts val="2000"/>
-              <a:buNone/>
-            </a:pPr>
-            <a:endParaRPr lang="en-US" altLang="zh-CN" sz="1800" b="1" dirty="0">
-              <a:solidFill>
-                <a:schemeClr val="dk2"/>
-              </a:solidFill>
-              <a:latin typeface="Times New Roman"/>
-              <a:ea typeface="Times New Roman"/>
-              <a:cs typeface="Times New Roman"/>
-              <a:sym typeface="Times New Roman"/>
-            </a:endParaRPr>
-          </a:p>
-          <a:p>
-            <a:pPr marL="0" indent="0">
-              <a:buSzPts val="2000"/>
-              <a:buNone/>
-            </a:pPr>
-            <a:r>
-              <a:rPr lang="en-US" altLang="zh-CN" sz="1800" b="1" dirty="0">
-                <a:solidFill>
-                  <a:schemeClr val="dk2"/>
-                </a:solidFill>
-                <a:latin typeface="Times New Roman"/>
-                <a:ea typeface="Times New Roman"/>
-                <a:cs typeface="Times New Roman"/>
-                <a:sym typeface="Times New Roman"/>
-              </a:rPr>
-              <a:t>Then we can build Random forest model to make a prediction.</a:t>
-            </a:r>
-          </a:p>
-          <a:p>
-            <a:pPr marL="0" indent="0">
-              <a:buSzPts val="2000"/>
-              <a:buNone/>
-            </a:pPr>
-            <a:endParaRPr lang="en-US" altLang="zh-CN" sz="1800" b="1" dirty="0">
-              <a:solidFill>
-                <a:schemeClr val="dk2"/>
-              </a:solidFill>
-              <a:latin typeface="Times New Roman"/>
-              <a:ea typeface="Times New Roman"/>
-              <a:cs typeface="Times New Roman"/>
-              <a:sym typeface="Times New Roman"/>
-            </a:endParaRPr>
-          </a:p>
-          <a:p>
-            <a:pPr marL="0" indent="0">
-              <a:buSzPts val="2000"/>
-              <a:buNone/>
-            </a:pPr>
-            <a:endParaRPr lang="en-US" altLang="zh-CN" sz="1800" b="1" dirty="0">
-              <a:solidFill>
-                <a:schemeClr val="dk2"/>
-              </a:solidFill>
-              <a:latin typeface="Times New Roman"/>
-              <a:ea typeface="Times New Roman"/>
-              <a:cs typeface="Times New Roman"/>
-              <a:sym typeface="Times New Roman"/>
-            </a:endParaRPr>
-          </a:p>
-          <a:p>
-            <a:pPr marL="0" lvl="0" indent="0">
-              <a:buSzPts val="2000"/>
-              <a:buNone/>
-            </a:pPr>
+            </a:br>
             <a:endParaRPr lang="en-US" sz="1800" b="1" dirty="0">
               <a:solidFill>
                 <a:schemeClr val="dk2"/>
@@ -23415,60 +23334,18 @@
                   <a:srgbClr val="8A0028"/>
                 </a:solidFill>
               </a:rPr>
-              <a:t>Predict STATUS using Random Forest</a:t>
+              <a:t>Predict STATUS using ANN</a:t>
             </a:r>
             <a:endParaRPr dirty="0"/>
-          </a:p>
-        </p:txBody>
-      </p:sp>
-      <p:sp>
-        <p:nvSpPr>
-          <p:cNvPr id="246" name="Google Shape;246;g7585aee8c9_0_0"/>
-          <p:cNvSpPr txBox="1"/>
-          <p:nvPr/>
-        </p:nvSpPr>
-        <p:spPr>
-          <a:xfrm>
-            <a:off x="0" y="6460950"/>
-            <a:ext cx="2023200" cy="365100"/>
-          </a:xfrm>
-          <a:prstGeom prst="rect">
-            <a:avLst/>
-          </a:prstGeom>
-          <a:noFill/>
-          <a:ln>
-            <a:noFill/>
-          </a:ln>
-        </p:spPr>
-        <p:txBody>
-          <a:bodyPr spcFirstLastPara="1" wrap="square" lIns="91425" tIns="91425" rIns="91425" bIns="91425" anchor="t" anchorCtr="0">
-            <a:noAutofit/>
-          </a:bodyPr>
-          <a:lstStyle/>
-          <a:p>
-            <a:pPr marL="0" lvl="0" indent="0" algn="l" rtl="0">
-              <a:spcBef>
-                <a:spcPts val="0"/>
-              </a:spcBef>
-              <a:spcAft>
-                <a:spcPts val="0"/>
-              </a:spcAft>
-              <a:buNone/>
-            </a:pPr>
-            <a:r>
-              <a:rPr lang="en-US"/>
-              <a:t>Haopeng Hu</a:t>
-            </a:r>
-            <a:endParaRPr/>
           </a:p>
         </p:txBody>
       </p:sp>
       <p:pic>
         <p:nvPicPr>
-          <p:cNvPr id="5" name="图片 4">
+          <p:cNvPr id="2" name="图片 1">
             <a:extLst>
               <a:ext uri="{FF2B5EF4-FFF2-40B4-BE49-F238E27FC236}">
-                <a16:creationId xmlns:a16="http://schemas.microsoft.com/office/drawing/2014/main" id="{C0F7C4B8-1C18-F049-A5A5-38E21ED085CE}"/>
+                <a16:creationId xmlns:a16="http://schemas.microsoft.com/office/drawing/2014/main" id="{904E9F87-6736-3E48-9A05-5FF320F5AE2D}"/>
               </a:ext>
             </a:extLst>
           </p:cNvPr>
@@ -23485,8 +23362,8 @@
         </p:blipFill>
         <p:spPr>
           <a:xfrm>
-            <a:off x="155942" y="2740050"/>
-            <a:ext cx="8830491" cy="3030556"/>
+            <a:off x="0" y="1364953"/>
+            <a:ext cx="9144000" cy="4395781"/>
           </a:xfrm>
           <a:prstGeom prst="rect">
             <a:avLst/>
@@ -23496,7 +23373,7 @@
     </p:spTree>
     <p:extLst>
       <p:ext uri="{BB962C8B-B14F-4D97-AF65-F5344CB8AC3E}">
-        <p14:creationId xmlns:p14="http://schemas.microsoft.com/office/powerpoint/2010/main" val="594193590"/>
+        <p14:creationId xmlns:p14="http://schemas.microsoft.com/office/powerpoint/2010/main" val="2735751674"/>
       </p:ext>
     </p:extLst>
   </p:cSld>
@@ -23557,7 +23434,7 @@
               <a:buNone/>
             </a:pPr>
             <a:r>
-              <a:rPr lang="en-US" sz="1800" b="1" dirty="0">
+              <a:rPr lang="en-US" altLang="zh-CN" sz="2400" b="1" dirty="0">
                 <a:solidFill>
                   <a:schemeClr val="dk2"/>
                 </a:solidFill>
@@ -23566,7 +23443,7 @@
                 <a:cs typeface="Times New Roman"/>
                 <a:sym typeface="Times New Roman"/>
               </a:rPr>
-              <a:t>Finally Evaluate the accuracy of the prediction</a:t>
+              <a:t>Model for Random Forest </a:t>
             </a:r>
           </a:p>
           <a:p>
@@ -23574,8 +23451,23 @@
               <a:buSzPts val="2000"/>
               <a:buNone/>
             </a:pPr>
-            <a:br>
-              <a:rPr lang="en-US" sz="1800" b="1" dirty="0">
+            <a:endParaRPr lang="en-US" altLang="zh-CN" sz="2400" b="1" dirty="0">
+              <a:solidFill>
+                <a:schemeClr val="dk2"/>
+              </a:solidFill>
+              <a:latin typeface="Times New Roman"/>
+              <a:ea typeface="Times New Roman"/>
+              <a:cs typeface="Times New Roman"/>
+              <a:sym typeface="Times New Roman"/>
+            </a:endParaRPr>
+          </a:p>
+          <a:p>
+            <a:pPr marL="0" indent="0">
+              <a:buSzPts val="2000"/>
+              <a:buNone/>
+            </a:pPr>
+            <a:r>
+              <a:rPr lang="en-US" altLang="zh-CN" sz="1800" b="1" dirty="0">
                 <a:solidFill>
                   <a:schemeClr val="dk2"/>
                 </a:solidFill>
@@ -23584,7 +23476,62 @@
                 <a:cs typeface="Times New Roman"/>
                 <a:sym typeface="Times New Roman"/>
               </a:rPr>
-            </a:br>
+              <a:t>For Random Forest Model, we must do some data preprocessing as same as ANN model.</a:t>
+            </a:r>
+          </a:p>
+          <a:p>
+            <a:pPr marL="0" indent="0">
+              <a:buSzPts val="2000"/>
+              <a:buNone/>
+            </a:pPr>
+            <a:r>
+              <a:rPr lang="en-US" altLang="zh-CN" sz="1800" b="1" dirty="0">
+                <a:solidFill>
+                  <a:schemeClr val="dk2"/>
+                </a:solidFill>
+                <a:latin typeface="Times New Roman"/>
+                <a:ea typeface="Times New Roman"/>
+                <a:cs typeface="Times New Roman"/>
+                <a:sym typeface="Times New Roman"/>
+              </a:rPr>
+              <a:t>Then we can build Random forest model to make a prediction.</a:t>
+            </a:r>
+          </a:p>
+          <a:p>
+            <a:pPr marL="0" indent="0">
+              <a:buSzPts val="2000"/>
+              <a:buNone/>
+            </a:pPr>
+            <a:endParaRPr lang="en-US" altLang="zh-CN" sz="1800" b="1" dirty="0">
+              <a:solidFill>
+                <a:schemeClr val="dk2"/>
+              </a:solidFill>
+              <a:latin typeface="Times New Roman"/>
+              <a:ea typeface="Times New Roman"/>
+              <a:cs typeface="Times New Roman"/>
+              <a:sym typeface="Times New Roman"/>
+            </a:endParaRPr>
+          </a:p>
+          <a:p>
+            <a:pPr marL="0" indent="0">
+              <a:buSzPts val="2000"/>
+              <a:buNone/>
+            </a:pPr>
+            <a:endParaRPr lang="en-US" altLang="zh-CN" sz="1800" b="1" dirty="0">
+              <a:solidFill>
+                <a:schemeClr val="dk2"/>
+              </a:solidFill>
+              <a:latin typeface="Times New Roman"/>
+              <a:ea typeface="Times New Roman"/>
+              <a:cs typeface="Times New Roman"/>
+              <a:sym typeface="Times New Roman"/>
+            </a:endParaRPr>
+          </a:p>
+          <a:p>
+            <a:pPr marL="0" lvl="0" indent="0">
+              <a:buSzPts val="2000"/>
+              <a:buNone/>
+            </a:pPr>
             <a:endParaRPr lang="en-US" sz="1800" b="1" dirty="0">
               <a:solidFill>
                 <a:schemeClr val="dk2"/>
@@ -23856,54 +23803,12 @@
           </a:p>
         </p:txBody>
       </p:sp>
-      <p:sp>
-        <p:nvSpPr>
-          <p:cNvPr id="246" name="Google Shape;246;g7585aee8c9_0_0"/>
-          <p:cNvSpPr txBox="1"/>
-          <p:nvPr/>
-        </p:nvSpPr>
-        <p:spPr>
-          <a:xfrm>
-            <a:off x="0" y="6460950"/>
-            <a:ext cx="2023200" cy="365100"/>
-          </a:xfrm>
-          <a:prstGeom prst="rect">
-            <a:avLst/>
-          </a:prstGeom>
-          <a:noFill/>
-          <a:ln>
-            <a:noFill/>
-          </a:ln>
-        </p:spPr>
-        <p:txBody>
-          <a:bodyPr spcFirstLastPara="1" wrap="square" lIns="91425" tIns="91425" rIns="91425" bIns="91425" anchor="t" anchorCtr="0">
-            <a:noAutofit/>
-          </a:bodyPr>
-          <a:lstStyle/>
-          <a:p>
-            <a:pPr marL="0" lvl="0" indent="0" algn="l" rtl="0">
-              <a:spcBef>
-                <a:spcPts val="0"/>
-              </a:spcBef>
-              <a:spcAft>
-                <a:spcPts val="0"/>
-              </a:spcAft>
-              <a:buNone/>
-            </a:pPr>
-            <a:r>
-              <a:rPr lang="en-US"/>
-              <a:t>Haopeng Hu</a:t>
-            </a:r>
-            <a:endParaRPr/>
-          </a:p>
-        </p:txBody>
-      </p:sp>
       <p:pic>
         <p:nvPicPr>
-          <p:cNvPr id="2" name="图片 1">
+          <p:cNvPr id="5" name="图片 4">
             <a:extLst>
               <a:ext uri="{FF2B5EF4-FFF2-40B4-BE49-F238E27FC236}">
-                <a16:creationId xmlns:a16="http://schemas.microsoft.com/office/drawing/2014/main" id="{F2757176-8647-9748-B58F-07AA8F4249F4}"/>
+                <a16:creationId xmlns:a16="http://schemas.microsoft.com/office/drawing/2014/main" id="{C0F7C4B8-1C18-F049-A5A5-38E21ED085CE}"/>
               </a:ext>
             </a:extLst>
           </p:cNvPr>
@@ -23920,8 +23825,8 @@
         </p:blipFill>
         <p:spPr>
           <a:xfrm>
-            <a:off x="225388" y="1557904"/>
-            <a:ext cx="4152900" cy="1346200"/>
+            <a:off x="155942" y="2740050"/>
+            <a:ext cx="8830491" cy="3030556"/>
           </a:xfrm>
           <a:prstGeom prst="rect">
             <a:avLst/>
@@ -23931,7 +23836,7 @@
     </p:spTree>
     <p:extLst>
       <p:ext uri="{BB962C8B-B14F-4D97-AF65-F5344CB8AC3E}">
-        <p14:creationId xmlns:p14="http://schemas.microsoft.com/office/powerpoint/2010/main" val="1644072573"/>
+        <p14:creationId xmlns:p14="http://schemas.microsoft.com/office/powerpoint/2010/main" val="594193590"/>
       </p:ext>
     </p:extLst>
   </p:cSld>
@@ -24001,7 +23906,7 @@
                 <a:cs typeface="Times New Roman"/>
                 <a:sym typeface="Times New Roman"/>
               </a:rPr>
-              <a:t>The error rate of KNN models are 0.3866158(K=3), 0.3863691(k=5), 0.3692788(K=10)</a:t>
+              <a:t>Finally Evaluate the accuracy of the prediction</a:t>
             </a:r>
           </a:p>
           <a:p>
@@ -24009,78 +23914,6 @@
               <a:buSzPts val="2000"/>
               <a:buNone/>
             </a:pPr>
-            <a:r>
-              <a:rPr lang="en-US" sz="1800" b="1" dirty="0">
-                <a:solidFill>
-                  <a:schemeClr val="dk2"/>
-                </a:solidFill>
-                <a:latin typeface="Times New Roman"/>
-                <a:ea typeface="Times New Roman"/>
-                <a:cs typeface="Times New Roman"/>
-                <a:sym typeface="Times New Roman"/>
-              </a:rPr>
-              <a:t>For Naive Bayes model the error rate is 0.350208. </a:t>
-            </a:r>
-          </a:p>
-          <a:p>
-            <a:pPr marL="0" indent="0">
-              <a:buSzPts val="2000"/>
-              <a:buNone/>
-            </a:pPr>
-            <a:r>
-              <a:rPr lang="en-US" sz="1800" b="1" dirty="0">
-                <a:solidFill>
-                  <a:schemeClr val="dk2"/>
-                </a:solidFill>
-                <a:latin typeface="Times New Roman"/>
-                <a:ea typeface="Times New Roman"/>
-                <a:cs typeface="Times New Roman"/>
-                <a:sym typeface="Times New Roman"/>
-              </a:rPr>
-              <a:t>For CART model(Decision-Tree) the error rate is 0.2676838</a:t>
-            </a:r>
-          </a:p>
-          <a:p>
-            <a:pPr marL="0" indent="0">
-              <a:buSzPts val="2000"/>
-              <a:buNone/>
-            </a:pPr>
-            <a:r>
-              <a:rPr lang="en-US" sz="1800" b="1" dirty="0">
-                <a:solidFill>
-                  <a:schemeClr val="dk2"/>
-                </a:solidFill>
-                <a:latin typeface="Times New Roman"/>
-                <a:ea typeface="Times New Roman"/>
-                <a:cs typeface="Times New Roman"/>
-                <a:sym typeface="Times New Roman"/>
-              </a:rPr>
-              <a:t>For C50 model(</a:t>
-            </a:r>
-            <a:r>
-              <a:rPr lang="en-US" altLang="zh-CN" sz="1800" b="1" dirty="0">
-                <a:solidFill>
-                  <a:schemeClr val="dk2"/>
-                </a:solidFill>
-                <a:latin typeface="Times New Roman"/>
-                <a:ea typeface="Times New Roman"/>
-                <a:cs typeface="Times New Roman"/>
-                <a:sym typeface="Times New Roman"/>
-              </a:rPr>
-              <a:t>Decision-Tree</a:t>
-            </a:r>
-            <a:r>
-              <a:rPr lang="en-US" sz="1800" b="1" dirty="0">
-                <a:solidFill>
-                  <a:schemeClr val="dk2"/>
-                </a:solidFill>
-                <a:latin typeface="Times New Roman"/>
-                <a:ea typeface="Times New Roman"/>
-                <a:cs typeface="Times New Roman"/>
-                <a:sym typeface="Times New Roman"/>
-              </a:rPr>
-              <a:t>) the error rate is 0.2479196</a:t>
-            </a:r>
             <a:br>
               <a:rPr lang="en-US" sz="1800" b="1" dirty="0">
                 <a:solidFill>
@@ -24092,40 +23925,15 @@
                 <a:sym typeface="Times New Roman"/>
               </a:rPr>
             </a:br>
-            <a:r>
-              <a:rPr lang="en-US" sz="1800" b="1" dirty="0">
-                <a:solidFill>
-                  <a:schemeClr val="dk2"/>
-                </a:solidFill>
-                <a:latin typeface="Times New Roman"/>
-                <a:ea typeface="Times New Roman"/>
-                <a:cs typeface="Times New Roman"/>
-                <a:sym typeface="Times New Roman"/>
-              </a:rPr>
-              <a:t>For Ann model, the error rate is around </a:t>
-            </a:r>
-            <a:r>
-              <a:rPr lang="en-US" altLang="zh-CN" dirty="0"/>
-              <a:t>0.26074898243. </a:t>
-            </a:r>
-          </a:p>
-          <a:p>
-            <a:pPr marL="0" indent="0">
-              <a:buSzPts val="2000"/>
-              <a:buNone/>
-            </a:pPr>
-            <a:r>
-              <a:rPr lang="en-US" altLang="zh-CN" sz="1800" b="1" dirty="0">
-                <a:solidFill>
-                  <a:schemeClr val="dk2"/>
-                </a:solidFill>
-                <a:latin typeface="Times New Roman"/>
-                <a:ea typeface="Times New Roman"/>
-                <a:cs typeface="Times New Roman"/>
-                <a:sym typeface="Times New Roman"/>
-              </a:rPr>
-              <a:t>For Random Forest model, the error rate is around 0.2444521498. </a:t>
-            </a:r>
+            <a:endParaRPr lang="en-US" sz="1800" b="1" dirty="0">
+              <a:solidFill>
+                <a:schemeClr val="dk2"/>
+              </a:solidFill>
+              <a:latin typeface="Times New Roman"/>
+              <a:ea typeface="Times New Roman"/>
+              <a:cs typeface="Times New Roman"/>
+              <a:sym typeface="Times New Roman"/>
+            </a:endParaRPr>
           </a:p>
           <a:p>
             <a:pPr marL="0" indent="0">
@@ -24143,94 +23951,10 @@
             </a:endParaRPr>
           </a:p>
           <a:p>
-            <a:pPr marL="0" indent="0">
-              <a:buSzPts val="2000"/>
-              <a:buNone/>
+            <a:pPr marL="342900" indent="-342900">
+              <a:buSzPts val="2000"/>
+              <a:buAutoNum type="arabicPeriod"/>
             </a:pPr>
-            <a:endParaRPr lang="en-US" sz="1800" b="1" dirty="0">
-              <a:solidFill>
-                <a:schemeClr val="dk2"/>
-              </a:solidFill>
-              <a:latin typeface="Times New Roman"/>
-              <a:ea typeface="Times New Roman"/>
-              <a:cs typeface="Times New Roman"/>
-              <a:sym typeface="Times New Roman"/>
-            </a:endParaRPr>
-          </a:p>
-          <a:p>
-            <a:pPr marL="0" indent="0">
-              <a:buSzPts val="2000"/>
-              <a:buNone/>
-            </a:pPr>
-            <a:r>
-              <a:rPr lang="en-US" sz="1800" b="1" dirty="0">
-                <a:solidFill>
-                  <a:schemeClr val="dk2"/>
-                </a:solidFill>
-                <a:latin typeface="Times New Roman"/>
-                <a:ea typeface="Times New Roman"/>
-                <a:cs typeface="Times New Roman"/>
-                <a:sym typeface="Times New Roman"/>
-              </a:rPr>
-              <a:t>So the accurate order of each model is </a:t>
-            </a:r>
-          </a:p>
-          <a:p>
-            <a:pPr marL="0" indent="0">
-              <a:buSzPts val="2000"/>
-              <a:buNone/>
-            </a:pPr>
-            <a:r>
-              <a:rPr lang="en-US" altLang="zh-CN" sz="1800" b="1" dirty="0">
-                <a:solidFill>
-                  <a:schemeClr val="dk2"/>
-                </a:solidFill>
-                <a:latin typeface="Times New Roman"/>
-                <a:ea typeface="Times New Roman"/>
-                <a:cs typeface="Times New Roman"/>
-                <a:sym typeface="Times New Roman"/>
-              </a:rPr>
-              <a:t>Random Forest model, Ann model, C50 model and CART model’s accuracy are closed, </a:t>
-            </a:r>
-            <a:endParaRPr lang="en-US" sz="1800" b="1" dirty="0">
-              <a:solidFill>
-                <a:schemeClr val="dk2"/>
-              </a:solidFill>
-              <a:latin typeface="Times New Roman"/>
-              <a:ea typeface="Times New Roman"/>
-              <a:cs typeface="Times New Roman"/>
-              <a:sym typeface="Times New Roman"/>
-            </a:endParaRPr>
-          </a:p>
-          <a:p>
-            <a:pPr marL="0" indent="0">
-              <a:buSzPts val="2000"/>
-              <a:buNone/>
-            </a:pPr>
-            <a:r>
-              <a:rPr lang="en-US" sz="1800" b="1" dirty="0">
-                <a:solidFill>
-                  <a:schemeClr val="dk2"/>
-                </a:solidFill>
-                <a:latin typeface="Times New Roman"/>
-                <a:ea typeface="Times New Roman"/>
-                <a:cs typeface="Times New Roman"/>
-                <a:sym typeface="Times New Roman"/>
-              </a:rPr>
-              <a:t>their accuracy are better than </a:t>
-            </a:r>
-            <a:r>
-              <a:rPr lang="en-US" altLang="zh-CN" sz="1800" b="1" dirty="0">
-                <a:solidFill>
-                  <a:schemeClr val="dk2"/>
-                </a:solidFill>
-                <a:latin typeface="Times New Roman"/>
-                <a:ea typeface="Times New Roman"/>
-                <a:cs typeface="Times New Roman"/>
-                <a:sym typeface="Times New Roman"/>
-              </a:rPr>
-              <a:t>KNN models and Naive Bayes model .</a:t>
-            </a:r>
             <a:endParaRPr lang="en-US" sz="1800" b="1" dirty="0">
               <a:solidFill>
                 <a:schemeClr val="dk2"/>
@@ -24461,63 +24185,51 @@
               </a:buClr>
             </a:pPr>
             <a:r>
-              <a:rPr lang="en-US" dirty="0">
+              <a:rPr lang="en-US" altLang="zh-CN" dirty="0">
                 <a:solidFill>
                   <a:srgbClr val="8A0028"/>
                 </a:solidFill>
               </a:rPr>
-              <a:t>Conclusion</a:t>
+              <a:t>Predict STATUS using Random Forest</a:t>
             </a:r>
-            <a:endParaRPr lang="en-US" dirty="0"/>
+            <a:endParaRPr dirty="0"/>
           </a:p>
         </p:txBody>
       </p:sp>
-      <p:sp>
-        <p:nvSpPr>
-          <p:cNvPr id="246" name="Google Shape;246;g7585aee8c9_0_0"/>
-          <p:cNvSpPr txBox="1"/>
+      <p:pic>
+        <p:nvPicPr>
+          <p:cNvPr id="2" name="图片 1">
+            <a:extLst>
+              <a:ext uri="{FF2B5EF4-FFF2-40B4-BE49-F238E27FC236}">
+                <a16:creationId xmlns:a16="http://schemas.microsoft.com/office/drawing/2014/main" id="{F2757176-8647-9748-B58F-07AA8F4249F4}"/>
+              </a:ext>
+            </a:extLst>
+          </p:cNvPr>
+          <p:cNvPicPr>
+            <a:picLocks noChangeAspect="1"/>
+          </p:cNvPicPr>
           <p:nvPr/>
-        </p:nvSpPr>
+        </p:nvPicPr>
+        <p:blipFill>
+          <a:blip r:embed="rId3"/>
+          <a:stretch>
+            <a:fillRect/>
+          </a:stretch>
+        </p:blipFill>
         <p:spPr>
           <a:xfrm>
-            <a:off x="0" y="6460950"/>
-            <a:ext cx="2023200" cy="365100"/>
+            <a:off x="225388" y="1557904"/>
+            <a:ext cx="4152900" cy="1346200"/>
           </a:xfrm>
           <a:prstGeom prst="rect">
             <a:avLst/>
           </a:prstGeom>
-          <a:noFill/>
-          <a:ln>
-            <a:noFill/>
-          </a:ln>
         </p:spPr>
-        <p:txBody>
-          <a:bodyPr spcFirstLastPara="1" wrap="square" lIns="91425" tIns="91425" rIns="91425" bIns="91425" anchor="t" anchorCtr="0">
-            <a:noAutofit/>
-          </a:bodyPr>
-          <a:lstStyle/>
-          <a:p>
-            <a:pPr marL="0" lvl="0" indent="0" algn="l" rtl="0">
-              <a:spcBef>
-                <a:spcPts val="0"/>
-              </a:spcBef>
-              <a:spcAft>
-                <a:spcPts val="0"/>
-              </a:spcAft>
-              <a:buNone/>
-            </a:pPr>
-            <a:r>
-              <a:rPr lang="en-US"/>
-              <a:t>Haopeng Hu</a:t>
-            </a:r>
-            <a:endParaRPr/>
-          </a:p>
-        </p:txBody>
-      </p:sp>
+      </p:pic>
     </p:spTree>
     <p:extLst>
       <p:ext uri="{BB962C8B-B14F-4D97-AF65-F5344CB8AC3E}">
-        <p14:creationId xmlns:p14="http://schemas.microsoft.com/office/powerpoint/2010/main" val="3285717862"/>
+        <p14:creationId xmlns:p14="http://schemas.microsoft.com/office/powerpoint/2010/main" val="1644072573"/>
       </p:ext>
     </p:extLst>
   </p:cSld>
@@ -24532,7 +24244,7 @@
   <p:cSld>
     <p:spTree>
       <p:nvGrpSpPr>
-        <p:cNvPr id="1" name="Shape 388"/>
+        <p:cNvPr id="1" name="Shape 242"/>
         <p:cNvGrpSpPr/>
         <p:nvPr/>
       </p:nvGrpSpPr>
@@ -24546,18 +24258,285 @@
       </p:grpSpPr>
       <p:sp>
         <p:nvSpPr>
-          <p:cNvPr id="389" name="Google Shape;389;p17"/>
+          <p:cNvPr id="243" name="Google Shape;243;g7585aee8c9_0_0"/>
           <p:cNvSpPr txBox="1">
             <a:spLocks noGrp="1"/>
           </p:cNvSpPr>
           <p:nvPr>
-            <p:ph type="subTitle" idx="1"/>
+            <p:ph type="body" idx="1"/>
           </p:nvPr>
         </p:nvSpPr>
         <p:spPr>
           <a:xfrm>
-            <a:off x="1371600" y="5240939"/>
-            <a:ext cx="6400800" cy="1298388"/>
+            <a:off x="225388" y="954142"/>
+            <a:ext cx="8691600" cy="5506800"/>
+          </a:xfrm>
+          <a:prstGeom prst="rect">
+            <a:avLst/>
+          </a:prstGeom>
+          <a:noFill/>
+          <a:ln>
+            <a:noFill/>
+          </a:ln>
+        </p:spPr>
+        <p:txBody>
+          <a:bodyPr spcFirstLastPara="1" wrap="square" lIns="91425" tIns="45700" rIns="91425" bIns="45700" anchor="t" anchorCtr="0">
+            <a:noAutofit/>
+          </a:bodyPr>
+          <a:lstStyle/>
+          <a:p>
+            <a:pPr marL="0" indent="0">
+              <a:buSzPts val="2000"/>
+              <a:buNone/>
+            </a:pPr>
+            <a:r>
+              <a:rPr lang="en-US" altLang="zh-CN" sz="1800" b="1" dirty="0">
+                <a:solidFill>
+                  <a:schemeClr val="dk2"/>
+                </a:solidFill>
+                <a:latin typeface="Times New Roman"/>
+                <a:ea typeface="Times New Roman"/>
+                <a:cs typeface="Times New Roman"/>
+                <a:sym typeface="Times New Roman"/>
+              </a:rPr>
+              <a:t>Build the confusion matrix and plot it(Random Forest model’s Prediction visible).</a:t>
+            </a:r>
+          </a:p>
+          <a:p>
+            <a:pPr marL="0" indent="0">
+              <a:buSzPts val="2000"/>
+              <a:buNone/>
+            </a:pPr>
+            <a:br>
+              <a:rPr lang="en-US" altLang="zh-CN" sz="1800" b="1" dirty="0">
+                <a:solidFill>
+                  <a:schemeClr val="dk2"/>
+                </a:solidFill>
+                <a:latin typeface="Times New Roman"/>
+                <a:ea typeface="Times New Roman"/>
+                <a:cs typeface="Times New Roman"/>
+                <a:sym typeface="Times New Roman"/>
+              </a:rPr>
+            </a:br>
+            <a:endParaRPr lang="en-US" altLang="zh-CN" sz="1800" b="1" dirty="0">
+              <a:solidFill>
+                <a:schemeClr val="dk2"/>
+              </a:solidFill>
+              <a:latin typeface="Times New Roman"/>
+              <a:ea typeface="Times New Roman"/>
+              <a:cs typeface="Times New Roman"/>
+              <a:sym typeface="Times New Roman"/>
+            </a:endParaRPr>
+          </a:p>
+          <a:p>
+            <a:pPr marL="0" indent="0">
+              <a:buSzPts val="2000"/>
+              <a:buNone/>
+            </a:pPr>
+            <a:br>
+              <a:rPr lang="en-US" sz="1800" b="1" dirty="0">
+                <a:solidFill>
+                  <a:schemeClr val="dk2"/>
+                </a:solidFill>
+                <a:latin typeface="Times New Roman"/>
+                <a:ea typeface="Times New Roman"/>
+                <a:cs typeface="Times New Roman"/>
+                <a:sym typeface="Times New Roman"/>
+              </a:rPr>
+            </a:br>
+            <a:endParaRPr lang="en-US" sz="1800" b="1" dirty="0">
+              <a:solidFill>
+                <a:schemeClr val="dk2"/>
+              </a:solidFill>
+              <a:latin typeface="Times New Roman"/>
+              <a:ea typeface="Times New Roman"/>
+              <a:cs typeface="Times New Roman"/>
+              <a:sym typeface="Times New Roman"/>
+            </a:endParaRPr>
+          </a:p>
+          <a:p>
+            <a:pPr marL="0" indent="0">
+              <a:buSzPts val="2000"/>
+              <a:buNone/>
+            </a:pPr>
+            <a:endParaRPr lang="en-US" sz="1800" b="1" dirty="0">
+              <a:solidFill>
+                <a:schemeClr val="dk2"/>
+              </a:solidFill>
+              <a:latin typeface="Times New Roman"/>
+              <a:ea typeface="Times New Roman"/>
+              <a:cs typeface="Times New Roman"/>
+              <a:sym typeface="Times New Roman"/>
+            </a:endParaRPr>
+          </a:p>
+          <a:p>
+            <a:pPr marL="342900" indent="-342900">
+              <a:buSzPts val="2000"/>
+              <a:buAutoNum type="arabicPeriod"/>
+            </a:pPr>
+            <a:endParaRPr lang="en-US" sz="1800" b="1" dirty="0">
+              <a:solidFill>
+                <a:schemeClr val="dk2"/>
+              </a:solidFill>
+              <a:latin typeface="Times New Roman"/>
+              <a:ea typeface="Times New Roman"/>
+              <a:cs typeface="Times New Roman"/>
+              <a:sym typeface="Times New Roman"/>
+            </a:endParaRPr>
+          </a:p>
+          <a:p>
+            <a:pPr marL="342900" indent="-342900">
+              <a:buSzPts val="2000"/>
+              <a:buAutoNum type="arabicPeriod"/>
+            </a:pPr>
+            <a:endParaRPr lang="en-US" sz="1800" b="1" dirty="0">
+              <a:solidFill>
+                <a:schemeClr val="dk2"/>
+              </a:solidFill>
+              <a:latin typeface="Times New Roman"/>
+              <a:ea typeface="Times New Roman"/>
+              <a:cs typeface="Times New Roman"/>
+              <a:sym typeface="Times New Roman"/>
+            </a:endParaRPr>
+          </a:p>
+          <a:p>
+            <a:pPr marL="0" indent="0">
+              <a:buSzPts val="2000"/>
+              <a:buNone/>
+            </a:pPr>
+            <a:endParaRPr sz="1800" b="1" dirty="0">
+              <a:solidFill>
+                <a:srgbClr val="FF0000"/>
+              </a:solidFill>
+              <a:highlight>
+                <a:srgbClr val="FFFFFF"/>
+              </a:highlight>
+              <a:latin typeface="Times New Roman"/>
+              <a:ea typeface="Times New Roman"/>
+              <a:cs typeface="Times New Roman"/>
+              <a:sym typeface="Times New Roman"/>
+            </a:endParaRPr>
+          </a:p>
+          <a:p>
+            <a:pPr marL="0" lvl="0" indent="0" algn="l" rtl="0">
+              <a:spcBef>
+                <a:spcPts val="0"/>
+              </a:spcBef>
+              <a:spcAft>
+                <a:spcPts val="0"/>
+              </a:spcAft>
+              <a:buClr>
+                <a:schemeClr val="dk1"/>
+              </a:buClr>
+              <a:buSzPts val="2000"/>
+              <a:buNone/>
+            </a:pPr>
+            <a:endParaRPr sz="1800" b="1" dirty="0">
+              <a:solidFill>
+                <a:schemeClr val="accent5"/>
+              </a:solidFill>
+              <a:highlight>
+                <a:srgbClr val="FFFFFF"/>
+              </a:highlight>
+              <a:latin typeface="Times New Roman"/>
+              <a:ea typeface="Times New Roman"/>
+              <a:cs typeface="Times New Roman"/>
+              <a:sym typeface="Times New Roman"/>
+            </a:endParaRPr>
+          </a:p>
+          <a:p>
+            <a:pPr marL="50800" marR="50800" lvl="0" indent="0" algn="l" rtl="0">
+              <a:lnSpc>
+                <a:spcPct val="115000"/>
+              </a:lnSpc>
+              <a:spcBef>
+                <a:spcPts val="0"/>
+              </a:spcBef>
+              <a:spcAft>
+                <a:spcPts val="0"/>
+              </a:spcAft>
+              <a:buClr>
+                <a:schemeClr val="dk1"/>
+              </a:buClr>
+              <a:buSzPts val="1100"/>
+              <a:buFont typeface="Arial"/>
+              <a:buNone/>
+            </a:pPr>
+            <a:endParaRPr lang="en-US" sz="1050" dirty="0">
+              <a:solidFill>
+                <a:srgbClr val="333333"/>
+              </a:solidFill>
+              <a:highlight>
+                <a:srgbClr val="FFFFFF"/>
+              </a:highlight>
+            </a:endParaRPr>
+          </a:p>
+          <a:p>
+            <a:pPr marL="50800" marR="50800" lvl="0" indent="0" algn="l" rtl="0">
+              <a:lnSpc>
+                <a:spcPct val="115000"/>
+              </a:lnSpc>
+              <a:spcBef>
+                <a:spcPts val="0"/>
+              </a:spcBef>
+              <a:spcAft>
+                <a:spcPts val="0"/>
+              </a:spcAft>
+              <a:buClr>
+                <a:schemeClr val="dk1"/>
+              </a:buClr>
+              <a:buSzPts val="1100"/>
+              <a:buFont typeface="Arial"/>
+              <a:buNone/>
+            </a:pPr>
+            <a:endParaRPr sz="1050" dirty="0">
+              <a:solidFill>
+                <a:srgbClr val="333333"/>
+              </a:solidFill>
+              <a:highlight>
+                <a:srgbClr val="FFFFFF"/>
+              </a:highlight>
+            </a:endParaRPr>
+          </a:p>
+          <a:p>
+            <a:pPr marL="0" lvl="0" indent="0" algn="l" rtl="0">
+              <a:spcBef>
+                <a:spcPts val="0"/>
+              </a:spcBef>
+              <a:spcAft>
+                <a:spcPts val="0"/>
+              </a:spcAft>
+              <a:buClr>
+                <a:schemeClr val="dk1"/>
+              </a:buClr>
+              <a:buSzPts val="2000"/>
+              <a:buNone/>
+            </a:pPr>
+            <a:endParaRPr sz="1200" dirty="0">
+              <a:solidFill>
+                <a:srgbClr val="333333"/>
+              </a:solidFill>
+              <a:highlight>
+                <a:srgbClr val="FFFFFF"/>
+              </a:highlight>
+            </a:endParaRPr>
+          </a:p>
+        </p:txBody>
+      </p:sp>
+      <p:sp>
+        <p:nvSpPr>
+          <p:cNvPr id="244" name="Google Shape;244;g7585aee8c9_0_0"/>
+          <p:cNvSpPr txBox="1">
+            <a:spLocks noGrp="1"/>
+          </p:cNvSpPr>
+          <p:nvPr>
+            <p:ph type="sldNum" idx="12"/>
+          </p:nvPr>
+        </p:nvSpPr>
+        <p:spPr>
+          <a:xfrm>
+            <a:off x="8546351" y="6460940"/>
+            <a:ext cx="476700" cy="365100"/>
           </a:xfrm>
           <a:prstGeom prst="rect">
             <a:avLst/>
@@ -24574,8 +24553,475 @@
           <a:lstStyle/>
           <a:p>
             <a:pPr marL="0" lvl="0" indent="0" algn="ctr" rtl="0">
+              <a:spcBef>
+                <a:spcPts val="0"/>
+              </a:spcBef>
+              <a:spcAft>
+                <a:spcPts val="0"/>
+              </a:spcAft>
+              <a:buNone/>
+            </a:pPr>
+            <a:fld id="{00000000-1234-1234-1234-123412341234}" type="slidenum">
+              <a:rPr lang="en-US"/>
+              <a:t>18</a:t>
+            </a:fld>
+            <a:endParaRPr/>
+          </a:p>
+        </p:txBody>
+      </p:sp>
+      <p:sp>
+        <p:nvSpPr>
+          <p:cNvPr id="245" name="Google Shape;245;g7585aee8c9_0_0"/>
+          <p:cNvSpPr txBox="1">
+            <a:spLocks noGrp="1"/>
+          </p:cNvSpPr>
+          <p:nvPr>
+            <p:ph type="title"/>
+          </p:nvPr>
+        </p:nvSpPr>
+        <p:spPr>
+          <a:xfrm>
+            <a:off x="227012" y="418353"/>
+            <a:ext cx="8002500" cy="535800"/>
+          </a:xfrm>
+          <a:prstGeom prst="rect">
+            <a:avLst/>
+          </a:prstGeom>
+          <a:noFill/>
+          <a:ln>
+            <a:noFill/>
+          </a:ln>
+        </p:spPr>
+        <p:txBody>
+          <a:bodyPr spcFirstLastPara="1" wrap="square" lIns="91425" tIns="45700" rIns="91425" bIns="45700" anchor="t" anchorCtr="0">
+            <a:noAutofit/>
+          </a:bodyPr>
+          <a:lstStyle/>
+          <a:p>
+            <a:pPr lvl="0">
+              <a:buClr>
+                <a:srgbClr val="8A0028"/>
+              </a:buClr>
+            </a:pPr>
+            <a:r>
+              <a:rPr lang="en-US" altLang="zh-CN" dirty="0">
+                <a:solidFill>
+                  <a:srgbClr val="8A0028"/>
+                </a:solidFill>
+              </a:rPr>
+              <a:t>Predict STATUS using Random Forest</a:t>
+            </a:r>
+            <a:endParaRPr dirty="0"/>
+          </a:p>
+        </p:txBody>
+      </p:sp>
+      <p:pic>
+        <p:nvPicPr>
+          <p:cNvPr id="3" name="图片 2">
+            <a:extLst>
+              <a:ext uri="{FF2B5EF4-FFF2-40B4-BE49-F238E27FC236}">
+                <a16:creationId xmlns:a16="http://schemas.microsoft.com/office/drawing/2014/main" id="{E3B1BEFA-3299-4943-8966-93ACE0671E53}"/>
+              </a:ext>
+            </a:extLst>
+          </p:cNvPr>
+          <p:cNvPicPr>
+            <a:picLocks noChangeAspect="1"/>
+          </p:cNvPicPr>
+          <p:nvPr/>
+        </p:nvPicPr>
+        <p:blipFill>
+          <a:blip r:embed="rId3"/>
+          <a:stretch>
+            <a:fillRect/>
+          </a:stretch>
+        </p:blipFill>
+        <p:spPr>
+          <a:xfrm>
+            <a:off x="0" y="1487035"/>
+            <a:ext cx="9144000" cy="3883930"/>
+          </a:xfrm>
+          <a:prstGeom prst="rect">
+            <a:avLst/>
+          </a:prstGeom>
+        </p:spPr>
+      </p:pic>
+    </p:spTree>
+    <p:extLst>
+      <p:ext uri="{BB962C8B-B14F-4D97-AF65-F5344CB8AC3E}">
+        <p14:creationId xmlns:p14="http://schemas.microsoft.com/office/powerpoint/2010/main" val="1734797759"/>
+      </p:ext>
+    </p:extLst>
+  </p:cSld>
+  <p:clrMapOvr>
+    <a:masterClrMapping/>
+  </p:clrMapOvr>
+</p:sld>
+</file>
+
+<file path=ppt/slides/slide19.xml><?xml version="1.0" encoding="utf-8"?>
+<p:sld xmlns:a="http://schemas.openxmlformats.org/drawingml/2006/main" xmlns:r="http://schemas.openxmlformats.org/officeDocument/2006/relationships" xmlns:p="http://schemas.openxmlformats.org/presentationml/2006/main">
+  <p:cSld>
+    <p:spTree>
+      <p:nvGrpSpPr>
+        <p:cNvPr id="1" name="Shape 242"/>
+        <p:cNvGrpSpPr/>
+        <p:nvPr/>
+      </p:nvGrpSpPr>
+      <p:grpSpPr>
+        <a:xfrm>
+          <a:off x="0" y="0"/>
+          <a:ext cx="0" cy="0"/>
+          <a:chOff x="0" y="0"/>
+          <a:chExt cx="0" cy="0"/>
+        </a:xfrm>
+      </p:grpSpPr>
+      <p:sp>
+        <p:nvSpPr>
+          <p:cNvPr id="243" name="Google Shape;243;g7585aee8c9_0_0"/>
+          <p:cNvSpPr txBox="1">
+            <a:spLocks noGrp="1"/>
+          </p:cNvSpPr>
+          <p:nvPr>
+            <p:ph type="body" idx="1"/>
+          </p:nvPr>
+        </p:nvSpPr>
+        <p:spPr>
+          <a:xfrm>
+            <a:off x="225388" y="954142"/>
+            <a:ext cx="8691600" cy="5506800"/>
+          </a:xfrm>
+          <a:prstGeom prst="rect">
+            <a:avLst/>
+          </a:prstGeom>
+          <a:noFill/>
+          <a:ln>
+            <a:noFill/>
+          </a:ln>
+        </p:spPr>
+        <p:txBody>
+          <a:bodyPr spcFirstLastPara="1" wrap="square" lIns="91425" tIns="45700" rIns="91425" bIns="45700" anchor="t" anchorCtr="0">
+            <a:noAutofit/>
+          </a:bodyPr>
+          <a:lstStyle/>
+          <a:p>
+            <a:pPr marL="0" indent="0">
+              <a:buSzPts val="2000"/>
+              <a:buNone/>
+            </a:pPr>
+            <a:r>
+              <a:rPr lang="en-US" sz="1800" b="1" dirty="0">
+                <a:solidFill>
+                  <a:schemeClr val="dk2"/>
+                </a:solidFill>
+                <a:latin typeface="Times New Roman"/>
+                <a:ea typeface="Times New Roman"/>
+                <a:cs typeface="Times New Roman"/>
+                <a:sym typeface="Times New Roman"/>
+              </a:rPr>
+              <a:t>The error rate of KNN models are 0.3866158(K=3), 0.3863691(k=5), 0.3692788(K=10)</a:t>
+            </a:r>
+          </a:p>
+          <a:p>
+            <a:pPr marL="0" indent="0">
+              <a:buSzPts val="2000"/>
+              <a:buNone/>
+            </a:pPr>
+            <a:r>
+              <a:rPr lang="en-US" sz="1800" b="1" dirty="0">
+                <a:solidFill>
+                  <a:schemeClr val="dk2"/>
+                </a:solidFill>
+                <a:latin typeface="Times New Roman"/>
+                <a:ea typeface="Times New Roman"/>
+                <a:cs typeface="Times New Roman"/>
+                <a:sym typeface="Times New Roman"/>
+              </a:rPr>
+              <a:t>For Naive Bayes model the error rate is 0.350208. </a:t>
+            </a:r>
+          </a:p>
+          <a:p>
+            <a:pPr marL="0" indent="0">
+              <a:buSzPts val="2000"/>
+              <a:buNone/>
+            </a:pPr>
+            <a:r>
+              <a:rPr lang="en-US" sz="1800" b="1" dirty="0">
+                <a:solidFill>
+                  <a:schemeClr val="dk2"/>
+                </a:solidFill>
+                <a:latin typeface="Times New Roman"/>
+                <a:ea typeface="Times New Roman"/>
+                <a:cs typeface="Times New Roman"/>
+                <a:sym typeface="Times New Roman"/>
+              </a:rPr>
+              <a:t>For CART model(Decision-Tree) the error rate is 0.2676838</a:t>
+            </a:r>
+          </a:p>
+          <a:p>
+            <a:pPr marL="0" indent="0">
+              <a:buSzPts val="2000"/>
+              <a:buNone/>
+            </a:pPr>
+            <a:r>
+              <a:rPr lang="en-US" sz="1800" b="1" dirty="0">
+                <a:solidFill>
+                  <a:schemeClr val="dk2"/>
+                </a:solidFill>
+                <a:latin typeface="Times New Roman"/>
+                <a:ea typeface="Times New Roman"/>
+                <a:cs typeface="Times New Roman"/>
+                <a:sym typeface="Times New Roman"/>
+              </a:rPr>
+              <a:t>For C50 model(</a:t>
+            </a:r>
+            <a:r>
+              <a:rPr lang="en-US" altLang="zh-CN" sz="1800" b="1" dirty="0">
+                <a:solidFill>
+                  <a:schemeClr val="dk2"/>
+                </a:solidFill>
+                <a:latin typeface="Times New Roman"/>
+                <a:ea typeface="Times New Roman"/>
+                <a:cs typeface="Times New Roman"/>
+                <a:sym typeface="Times New Roman"/>
+              </a:rPr>
+              <a:t>Decision-Tree</a:t>
+            </a:r>
+            <a:r>
+              <a:rPr lang="en-US" sz="1800" b="1" dirty="0">
+                <a:solidFill>
+                  <a:schemeClr val="dk2"/>
+                </a:solidFill>
+                <a:latin typeface="Times New Roman"/>
+                <a:ea typeface="Times New Roman"/>
+                <a:cs typeface="Times New Roman"/>
+                <a:sym typeface="Times New Roman"/>
+              </a:rPr>
+              <a:t>) the error rate is 0.2479196</a:t>
+            </a:r>
+            <a:br>
+              <a:rPr lang="en-US" sz="1800" b="1" dirty="0">
+                <a:solidFill>
+                  <a:schemeClr val="dk2"/>
+                </a:solidFill>
+                <a:latin typeface="Times New Roman"/>
+                <a:ea typeface="Times New Roman"/>
+                <a:cs typeface="Times New Roman"/>
+                <a:sym typeface="Times New Roman"/>
+              </a:rPr>
+            </a:br>
+            <a:r>
+              <a:rPr lang="en-US" sz="1800" b="1" dirty="0">
+                <a:solidFill>
+                  <a:schemeClr val="dk2"/>
+                </a:solidFill>
+                <a:latin typeface="Times New Roman"/>
+                <a:ea typeface="Times New Roman"/>
+                <a:cs typeface="Times New Roman"/>
+                <a:sym typeface="Times New Roman"/>
+              </a:rPr>
+              <a:t>For Ann model, the error rate is around </a:t>
+            </a:r>
+            <a:r>
+              <a:rPr lang="en-US" altLang="zh-CN" dirty="0"/>
+              <a:t>0.26074898243. </a:t>
+            </a:r>
+          </a:p>
+          <a:p>
+            <a:pPr marL="0" indent="0">
+              <a:buSzPts val="2000"/>
+              <a:buNone/>
+            </a:pPr>
+            <a:r>
+              <a:rPr lang="en-US" altLang="zh-CN" sz="1800" b="1" dirty="0">
+                <a:solidFill>
+                  <a:schemeClr val="dk2"/>
+                </a:solidFill>
+                <a:latin typeface="Times New Roman"/>
+                <a:ea typeface="Times New Roman"/>
+                <a:cs typeface="Times New Roman"/>
+                <a:sym typeface="Times New Roman"/>
+              </a:rPr>
+              <a:t>For Random Forest model, the error rate is around 0.2444521498. </a:t>
+            </a:r>
+          </a:p>
+          <a:p>
+            <a:pPr marL="0" indent="0">
+              <a:buSzPts val="2000"/>
+              <a:buNone/>
+            </a:pPr>
+            <a:endParaRPr lang="en-US" sz="1800" b="1" dirty="0">
+              <a:solidFill>
+                <a:schemeClr val="dk2"/>
+              </a:solidFill>
+              <a:latin typeface="Times New Roman"/>
+              <a:ea typeface="Times New Roman"/>
+              <a:cs typeface="Times New Roman"/>
+              <a:sym typeface="Times New Roman"/>
+            </a:endParaRPr>
+          </a:p>
+          <a:p>
+            <a:pPr marL="0" indent="0">
+              <a:buSzPts val="2000"/>
+              <a:buNone/>
+            </a:pPr>
+            <a:endParaRPr lang="en-US" sz="1800" b="1" dirty="0">
+              <a:solidFill>
+                <a:schemeClr val="dk2"/>
+              </a:solidFill>
+              <a:latin typeface="Times New Roman"/>
+              <a:ea typeface="Times New Roman"/>
+              <a:cs typeface="Times New Roman"/>
+              <a:sym typeface="Times New Roman"/>
+            </a:endParaRPr>
+          </a:p>
+          <a:p>
+            <a:pPr marL="0" indent="0">
+              <a:buSzPts val="2000"/>
+              <a:buNone/>
+            </a:pPr>
+            <a:r>
+              <a:rPr lang="en-US" sz="1800" b="1" dirty="0">
+                <a:solidFill>
+                  <a:schemeClr val="dk2"/>
+                </a:solidFill>
+                <a:latin typeface="Times New Roman"/>
+                <a:ea typeface="Times New Roman"/>
+                <a:cs typeface="Times New Roman"/>
+                <a:sym typeface="Times New Roman"/>
+              </a:rPr>
+              <a:t>So the accurate order of each model is </a:t>
+            </a:r>
+          </a:p>
+          <a:p>
+            <a:pPr marL="0" indent="0">
+              <a:buSzPts val="2000"/>
+              <a:buNone/>
+            </a:pPr>
+            <a:r>
+              <a:rPr lang="en-US" altLang="zh-CN" sz="1800" b="1" dirty="0">
+                <a:solidFill>
+                  <a:schemeClr val="dk2"/>
+                </a:solidFill>
+                <a:latin typeface="Times New Roman"/>
+                <a:ea typeface="Times New Roman"/>
+                <a:cs typeface="Times New Roman"/>
+                <a:sym typeface="Times New Roman"/>
+              </a:rPr>
+              <a:t>Random Forest model, Ann model, C50 model and CART model’s accuracy are closed, </a:t>
+            </a:r>
+            <a:endParaRPr lang="en-US" sz="1800" b="1" dirty="0">
+              <a:solidFill>
+                <a:schemeClr val="dk2"/>
+              </a:solidFill>
+              <a:latin typeface="Times New Roman"/>
+              <a:ea typeface="Times New Roman"/>
+              <a:cs typeface="Times New Roman"/>
+              <a:sym typeface="Times New Roman"/>
+            </a:endParaRPr>
+          </a:p>
+          <a:p>
+            <a:pPr marL="0" indent="0">
+              <a:buSzPts val="2000"/>
+              <a:buNone/>
+            </a:pPr>
+            <a:r>
+              <a:rPr lang="en-US" sz="1800" b="1" dirty="0">
+                <a:solidFill>
+                  <a:schemeClr val="dk2"/>
+                </a:solidFill>
+                <a:latin typeface="Times New Roman"/>
+                <a:ea typeface="Times New Roman"/>
+                <a:cs typeface="Times New Roman"/>
+                <a:sym typeface="Times New Roman"/>
+              </a:rPr>
+              <a:t>their accuracy are better than </a:t>
+            </a:r>
+            <a:r>
+              <a:rPr lang="en-US" altLang="zh-CN" sz="1800" b="1" dirty="0">
+                <a:solidFill>
+                  <a:schemeClr val="dk2"/>
+                </a:solidFill>
+                <a:latin typeface="Times New Roman"/>
+                <a:ea typeface="Times New Roman"/>
+                <a:cs typeface="Times New Roman"/>
+                <a:sym typeface="Times New Roman"/>
+              </a:rPr>
+              <a:t>KNN models and Naive Bayes model .</a:t>
+            </a:r>
+            <a:endParaRPr lang="en-US" sz="1800" b="1" dirty="0">
+              <a:solidFill>
+                <a:schemeClr val="dk2"/>
+              </a:solidFill>
+              <a:latin typeface="Times New Roman"/>
+              <a:ea typeface="Times New Roman"/>
+              <a:cs typeface="Times New Roman"/>
+              <a:sym typeface="Times New Roman"/>
+            </a:endParaRPr>
+          </a:p>
+          <a:p>
+            <a:pPr marL="342900" indent="-342900">
+              <a:buSzPts val="2000"/>
+              <a:buAutoNum type="arabicPeriod"/>
+            </a:pPr>
+            <a:endParaRPr lang="en-US" sz="1800" b="1" dirty="0">
+              <a:solidFill>
+                <a:schemeClr val="dk2"/>
+              </a:solidFill>
+              <a:latin typeface="Times New Roman"/>
+              <a:ea typeface="Times New Roman"/>
+              <a:cs typeface="Times New Roman"/>
+              <a:sym typeface="Times New Roman"/>
+            </a:endParaRPr>
+          </a:p>
+          <a:p>
+            <a:pPr marL="0" indent="0">
+              <a:buSzPts val="2000"/>
+              <a:buNone/>
+            </a:pPr>
+            <a:endParaRPr sz="1800" b="1" dirty="0">
+              <a:solidFill>
+                <a:srgbClr val="FF0000"/>
+              </a:solidFill>
+              <a:highlight>
+                <a:srgbClr val="FFFFFF"/>
+              </a:highlight>
+              <a:latin typeface="Times New Roman"/>
+              <a:ea typeface="Times New Roman"/>
+              <a:cs typeface="Times New Roman"/>
+              <a:sym typeface="Times New Roman"/>
+            </a:endParaRPr>
+          </a:p>
+          <a:p>
+            <a:pPr marL="0" lvl="0" indent="0" algn="l" rtl="0">
+              <a:spcBef>
+                <a:spcPts val="0"/>
+              </a:spcBef>
+              <a:spcAft>
+                <a:spcPts val="0"/>
+              </a:spcAft>
+              <a:buClr>
+                <a:schemeClr val="dk1"/>
+              </a:buClr>
+              <a:buSzPts val="2000"/>
+              <a:buNone/>
+            </a:pPr>
+            <a:endParaRPr sz="1800" b="1" dirty="0">
+              <a:solidFill>
+                <a:schemeClr val="accent5"/>
+              </a:solidFill>
+              <a:highlight>
+                <a:srgbClr val="FFFFFF"/>
+              </a:highlight>
+              <a:latin typeface="Times New Roman"/>
+              <a:ea typeface="Times New Roman"/>
+              <a:cs typeface="Times New Roman"/>
+              <a:sym typeface="Times New Roman"/>
+            </a:endParaRPr>
+          </a:p>
+          <a:p>
+            <a:pPr marL="50800" marR="50800" lvl="0" indent="0" algn="l" rtl="0">
               <a:lnSpc>
-                <a:spcPct val="120000"/>
+                <a:spcPct val="115000"/>
               </a:lnSpc>
               <a:spcBef>
                 <a:spcPts val="0"/>
@@ -24584,16 +25030,171 @@
                 <a:spcPts val="0"/>
               </a:spcAft>
               <a:buClr>
-                <a:srgbClr val="3F3F3F"/>
-              </a:buClr>
-              <a:buSzPts val="1800"/>
+                <a:schemeClr val="dk1"/>
+              </a:buClr>
+              <a:buSzPts val="1100"/>
+              <a:buFont typeface="Arial"/>
               <a:buNone/>
             </a:pPr>
+            <a:endParaRPr lang="en-US" sz="1050" dirty="0">
+              <a:solidFill>
+                <a:srgbClr val="333333"/>
+              </a:solidFill>
+              <a:highlight>
+                <a:srgbClr val="FFFFFF"/>
+              </a:highlight>
+            </a:endParaRPr>
+          </a:p>
+          <a:p>
+            <a:pPr marL="50800" marR="50800" lvl="0" indent="0" algn="l" rtl="0">
+              <a:lnSpc>
+                <a:spcPct val="115000"/>
+              </a:lnSpc>
+              <a:spcBef>
+                <a:spcPts val="0"/>
+              </a:spcBef>
+              <a:spcAft>
+                <a:spcPts val="0"/>
+              </a:spcAft>
+              <a:buClr>
+                <a:schemeClr val="dk1"/>
+              </a:buClr>
+              <a:buSzPts val="1100"/>
+              <a:buFont typeface="Arial"/>
+              <a:buNone/>
+            </a:pPr>
+            <a:endParaRPr sz="1050" dirty="0">
+              <a:solidFill>
+                <a:srgbClr val="333333"/>
+              </a:solidFill>
+              <a:highlight>
+                <a:srgbClr val="FFFFFF"/>
+              </a:highlight>
+            </a:endParaRPr>
+          </a:p>
+          <a:p>
+            <a:pPr marL="0" lvl="0" indent="0" algn="l" rtl="0">
+              <a:spcBef>
+                <a:spcPts val="0"/>
+              </a:spcBef>
+              <a:spcAft>
+                <a:spcPts val="0"/>
+              </a:spcAft>
+              <a:buClr>
+                <a:schemeClr val="dk1"/>
+              </a:buClr>
+              <a:buSzPts val="2000"/>
+              <a:buNone/>
+            </a:pPr>
+            <a:endParaRPr sz="1200" dirty="0">
+              <a:solidFill>
+                <a:srgbClr val="333333"/>
+              </a:solidFill>
+              <a:highlight>
+                <a:srgbClr val="FFFFFF"/>
+              </a:highlight>
+            </a:endParaRPr>
+          </a:p>
+        </p:txBody>
+      </p:sp>
+      <p:sp>
+        <p:nvSpPr>
+          <p:cNvPr id="244" name="Google Shape;244;g7585aee8c9_0_0"/>
+          <p:cNvSpPr txBox="1">
+            <a:spLocks noGrp="1"/>
+          </p:cNvSpPr>
+          <p:nvPr>
+            <p:ph type="sldNum" idx="12"/>
+          </p:nvPr>
+        </p:nvSpPr>
+        <p:spPr>
+          <a:xfrm>
+            <a:off x="8546351" y="6460940"/>
+            <a:ext cx="476700" cy="365100"/>
+          </a:xfrm>
+          <a:prstGeom prst="rect">
+            <a:avLst/>
+          </a:prstGeom>
+          <a:noFill/>
+          <a:ln>
+            <a:noFill/>
+          </a:ln>
+        </p:spPr>
+        <p:txBody>
+          <a:bodyPr spcFirstLastPara="1" wrap="square" lIns="91425" tIns="45700" rIns="91425" bIns="45700" anchor="ctr" anchorCtr="0">
+            <a:noAutofit/>
+          </a:bodyPr>
+          <a:lstStyle/>
+          <a:p>
+            <a:pPr marL="0" lvl="0" indent="0" algn="ctr" rtl="0">
+              <a:spcBef>
+                <a:spcPts val="0"/>
+              </a:spcBef>
+              <a:spcAft>
+                <a:spcPts val="0"/>
+              </a:spcAft>
+              <a:buNone/>
+            </a:pPr>
+            <a:fld id="{00000000-1234-1234-1234-123412341234}" type="slidenum">
+              <a:rPr lang="en-US"/>
+              <a:t>19</a:t>
+            </a:fld>
             <a:endParaRPr/>
+          </a:p>
+        </p:txBody>
+      </p:sp>
+      <p:sp>
+        <p:nvSpPr>
+          <p:cNvPr id="245" name="Google Shape;245;g7585aee8c9_0_0"/>
+          <p:cNvSpPr txBox="1">
+            <a:spLocks noGrp="1"/>
+          </p:cNvSpPr>
+          <p:nvPr>
+            <p:ph type="title"/>
+          </p:nvPr>
+        </p:nvSpPr>
+        <p:spPr>
+          <a:xfrm>
+            <a:off x="227012" y="418353"/>
+            <a:ext cx="8002500" cy="535800"/>
+          </a:xfrm>
+          <a:prstGeom prst="rect">
+            <a:avLst/>
+          </a:prstGeom>
+          <a:noFill/>
+          <a:ln>
+            <a:noFill/>
+          </a:ln>
+        </p:spPr>
+        <p:txBody>
+          <a:bodyPr spcFirstLastPara="1" wrap="square" lIns="91425" tIns="45700" rIns="91425" bIns="45700" anchor="t" anchorCtr="0">
+            <a:noAutofit/>
+          </a:bodyPr>
+          <a:lstStyle/>
+          <a:p>
+            <a:pPr lvl="0">
+              <a:buClr>
+                <a:srgbClr val="8A0028"/>
+              </a:buClr>
+            </a:pPr>
+            <a:r>
+              <a:rPr lang="en-US" dirty="0">
+                <a:solidFill>
+                  <a:srgbClr val="8A0028"/>
+                </a:solidFill>
+              </a:rPr>
+              <a:t>Conclusion</a:t>
+            </a:r>
+            <a:endParaRPr lang="en-US" dirty="0"/>
           </a:p>
         </p:txBody>
       </p:sp>
     </p:spTree>
+    <p:extLst>
+      <p:ext uri="{BB962C8B-B14F-4D97-AF65-F5344CB8AC3E}">
+        <p14:creationId xmlns:p14="http://schemas.microsoft.com/office/powerpoint/2010/main" val="3285717862"/>
+      </p:ext>
+    </p:extLst>
   </p:cSld>
   <p:clrMapOvr>
     <a:masterClrMapping/>
@@ -24811,6 +25412,29 @@
             </a:r>
           </a:p>
           <a:p>
+            <a:pPr marL="285750" lvl="0" indent="-285750">
+              <a:spcBef>
+                <a:spcPts val="1200"/>
+              </a:spcBef>
+              <a:buClr>
+                <a:srgbClr val="002060"/>
+              </a:buClr>
+              <a:buSzPts val="2000"/>
+            </a:pPr>
+            <a:r>
+              <a:rPr lang="en-US" sz="2000" b="1" dirty="0">
+                <a:solidFill>
+                  <a:srgbClr val="002060"/>
+                </a:solidFill>
+                <a:latin typeface="Times New Roman"/>
+                <a:ea typeface="Times New Roman"/>
+                <a:cs typeface="Times New Roman"/>
+                <a:sym typeface="Times New Roman"/>
+              </a:rPr>
+              <a:t>Random Forest</a:t>
+            </a:r>
+          </a:p>
+          <a:p>
             <a:pPr marL="0" lvl="0" indent="0" algn="just" rtl="0">
               <a:spcBef>
                 <a:spcPts val="1200"/>
@@ -24973,68 +25597,6 @@
               <a:buNone/>
             </a:pPr>
             <a:endParaRPr/>
-          </a:p>
-        </p:txBody>
-      </p:sp>
-      <p:sp>
-        <p:nvSpPr>
-          <p:cNvPr id="219" name="Google Shape;219;p2"/>
-          <p:cNvSpPr txBox="1"/>
-          <p:nvPr/>
-        </p:nvSpPr>
-        <p:spPr>
-          <a:xfrm>
-            <a:off x="382875" y="6508213"/>
-            <a:ext cx="1407600" cy="270600"/>
-          </a:xfrm>
-          <a:prstGeom prst="rect">
-            <a:avLst/>
-          </a:prstGeom>
-          <a:noFill/>
-          <a:ln>
-            <a:noFill/>
-          </a:ln>
-        </p:spPr>
-        <p:txBody>
-          <a:bodyPr spcFirstLastPara="1" wrap="square" lIns="91425" tIns="91425" rIns="91425" bIns="91425" anchor="t" anchorCtr="0">
-            <a:noAutofit/>
-          </a:bodyPr>
-          <a:lstStyle/>
-          <a:p>
-            <a:pPr marL="0" marR="0" lvl="0" indent="0" algn="l" rtl="0">
-              <a:lnSpc>
-                <a:spcPct val="100000"/>
-              </a:lnSpc>
-              <a:spcBef>
-                <a:spcPts val="0"/>
-              </a:spcBef>
-              <a:spcAft>
-                <a:spcPts val="0"/>
-              </a:spcAft>
-              <a:buClr>
-                <a:srgbClr val="000000"/>
-              </a:buClr>
-              <a:buSzPts val="1400"/>
-              <a:buFont typeface="Arial"/>
-              <a:buNone/>
-            </a:pPr>
-            <a:r>
-              <a:rPr lang="en-US">
-                <a:solidFill>
-                  <a:srgbClr val="999999"/>
-                </a:solidFill>
-              </a:rPr>
-              <a:t>Xiaoyu Fan</a:t>
-            </a:r>
-            <a:endParaRPr sz="1400" b="0" i="0" u="none" strike="noStrike" cap="none">
-              <a:solidFill>
-                <a:srgbClr val="999999"/>
-              </a:solidFill>
-              <a:latin typeface="Arial"/>
-              <a:ea typeface="Arial"/>
-              <a:cs typeface="Arial"/>
-              <a:sym typeface="Arial"/>
-            </a:endParaRPr>
           </a:p>
         </p:txBody>
       </p:sp>
@@ -25531,6 +26093,67 @@
                       </p:childTnLst>
                     </p:cTn>
                   </p:par>
+                  <p:par>
+                    <p:cTn id="43" fill="hold">
+                      <p:stCondLst>
+                        <p:cond delay="indefinite"/>
+                      </p:stCondLst>
+                      <p:childTnLst>
+                        <p:par>
+                          <p:cTn id="44" fill="hold">
+                            <p:stCondLst>
+                              <p:cond delay="0"/>
+                            </p:stCondLst>
+                            <p:childTnLst>
+                              <p:par>
+                                <p:cTn id="45" presetID="10" presetClass="entr" presetSubtype="0" fill="hold" nodeType="clickEffect">
+                                  <p:stCondLst>
+                                    <p:cond delay="0"/>
+                                  </p:stCondLst>
+                                  <p:childTnLst>
+                                    <p:set>
+                                      <p:cBhvr>
+                                        <p:cTn id="46" dur="1" fill="hold">
+                                          <p:stCondLst>
+                                            <p:cond delay="0"/>
+                                          </p:stCondLst>
+                                        </p:cTn>
+                                        <p:tgtEl>
+                                          <p:spTgt spid="215">
+                                            <p:txEl>
+                                              <p:pRg st="7" end="7"/>
+                                            </p:txEl>
+                                          </p:spTgt>
+                                        </p:tgtEl>
+                                        <p:attrNameLst>
+                                          <p:attrName>style.visibility</p:attrName>
+                                        </p:attrNameLst>
+                                      </p:cBhvr>
+                                      <p:to>
+                                        <p:strVal val="visible"/>
+                                      </p:to>
+                                    </p:set>
+                                    <p:animEffect transition="in" filter="fade">
+                                      <p:cBhvr>
+                                        <p:cTn id="47" dur="500"/>
+                                        <p:tgtEl>
+                                          <p:spTgt spid="215">
+                                            <p:txEl>
+                                              <p:pRg st="7" end="7"/>
+                                            </p:txEl>
+                                          </p:spTgt>
+                                        </p:tgtEl>
+                                      </p:cBhvr>
+                                    </p:animEffect>
+                                  </p:childTnLst>
+                                </p:cTn>
+                              </p:par>
+                            </p:childTnLst>
+                          </p:cTn>
+                        </p:par>
+                      </p:childTnLst>
+                    </p:cTn>
+                  </p:par>
                 </p:childTnLst>
               </p:cTn>
               <p:prevCondLst>
@@ -25553,6 +26176,31 @@
       </p:par>
     </p:tnLst>
   </p:timing>
+</p:sld>
+</file>
+
+<file path=ppt/slides/slide20.xml><?xml version="1.0" encoding="utf-8"?>
+<p:sld xmlns:a="http://schemas.openxmlformats.org/drawingml/2006/main" xmlns:r="http://schemas.openxmlformats.org/officeDocument/2006/relationships" xmlns:p="http://schemas.openxmlformats.org/presentationml/2006/main">
+  <p:cSld>
+    <p:spTree>
+      <p:nvGrpSpPr>
+        <p:cNvPr id="1" name="Shape 388"/>
+        <p:cNvGrpSpPr/>
+        <p:nvPr/>
+      </p:nvGrpSpPr>
+      <p:grpSpPr>
+        <a:xfrm>
+          <a:off x="0" y="0"/>
+          <a:ext cx="0" cy="0"/>
+          <a:chOff x="0" y="0"/>
+          <a:chExt cx="0" cy="0"/>
+        </a:xfrm>
+      </p:grpSpPr>
+    </p:spTree>
+  </p:cSld>
+  <p:clrMapOvr>
+    <a:masterClrMapping/>
+  </p:clrMapOvr>
 </p:sld>
 </file>
 
@@ -25900,72 +26548,14 @@
               </a:buClr>
             </a:pPr>
             <a:r>
-              <a:rPr lang="en-US" dirty="0">
+              <a:rPr lang="en-US" altLang="zh-CN" dirty="0">
                 <a:solidFill>
                   <a:srgbClr val="8A0028"/>
                 </a:solidFill>
               </a:rPr>
-              <a:t>Pretreatment</a:t>
-            </a:r>
-            <a:r>
-              <a:rPr lang="zh-CN" altLang="en-US" dirty="0">
-                <a:solidFill>
-                  <a:srgbClr val="8A0028"/>
-                </a:solidFill>
-              </a:rPr>
-              <a:t> </a:t>
-            </a:r>
-            <a:r>
-              <a:rPr lang="en-US" altLang="zh-CN" dirty="0">
-                <a:solidFill>
-                  <a:srgbClr val="8A0028"/>
-                </a:solidFill>
-              </a:rPr>
-              <a:t>With Data</a:t>
+              <a:t>Data Preprocessing</a:t>
             </a:r>
             <a:endParaRPr lang="en-US" dirty="0"/>
-          </a:p>
-        </p:txBody>
-      </p:sp>
-      <p:sp>
-        <p:nvSpPr>
-          <p:cNvPr id="254" name="Google Shape;254;g7585aee8c9_0_30"/>
-          <p:cNvSpPr txBox="1"/>
-          <p:nvPr/>
-        </p:nvSpPr>
-        <p:spPr>
-          <a:xfrm>
-            <a:off x="0" y="6460950"/>
-            <a:ext cx="2023200" cy="365100"/>
-          </a:xfrm>
-          <a:prstGeom prst="rect">
-            <a:avLst/>
-          </a:prstGeom>
-          <a:noFill/>
-          <a:ln>
-            <a:noFill/>
-          </a:ln>
-        </p:spPr>
-        <p:txBody>
-          <a:bodyPr spcFirstLastPara="1" wrap="square" lIns="91425" tIns="91425" rIns="91425" bIns="91425" anchor="t" anchorCtr="0">
-            <a:noAutofit/>
-          </a:bodyPr>
-          <a:lstStyle/>
-          <a:p>
-            <a:pPr marL="0" lvl="0" indent="0" algn="l" rtl="0">
-              <a:spcBef>
-                <a:spcPts val="0"/>
-              </a:spcBef>
-              <a:spcAft>
-                <a:spcPts val="0"/>
-              </a:spcAft>
-              <a:buNone/>
-            </a:pPr>
-            <a:r>
-              <a:rPr lang="en-US"/>
-              <a:t>Haopeng Hu</a:t>
-            </a:r>
-            <a:endParaRPr/>
           </a:p>
         </p:txBody>
       </p:sp>
@@ -26417,48 +27007,6 @@
           </a:p>
         </p:txBody>
       </p:sp>
-      <p:sp>
-        <p:nvSpPr>
-          <p:cNvPr id="246" name="Google Shape;246;g7585aee8c9_0_0"/>
-          <p:cNvSpPr txBox="1"/>
-          <p:nvPr/>
-        </p:nvSpPr>
-        <p:spPr>
-          <a:xfrm>
-            <a:off x="0" y="6460950"/>
-            <a:ext cx="2023200" cy="365100"/>
-          </a:xfrm>
-          <a:prstGeom prst="rect">
-            <a:avLst/>
-          </a:prstGeom>
-          <a:noFill/>
-          <a:ln>
-            <a:noFill/>
-          </a:ln>
-        </p:spPr>
-        <p:txBody>
-          <a:bodyPr spcFirstLastPara="1" wrap="square" lIns="91425" tIns="91425" rIns="91425" bIns="91425" anchor="t" anchorCtr="0">
-            <a:noAutofit/>
-          </a:bodyPr>
-          <a:lstStyle/>
-          <a:p>
-            <a:pPr marL="0" lvl="0" indent="0" algn="l" rtl="0">
-              <a:spcBef>
-                <a:spcPts val="0"/>
-              </a:spcBef>
-              <a:spcAft>
-                <a:spcPts val="0"/>
-              </a:spcAft>
-              <a:buNone/>
-            </a:pPr>
-            <a:r>
-              <a:rPr lang="en-US"/>
-              <a:t>Haopeng Hu</a:t>
-            </a:r>
-            <a:endParaRPr/>
-          </a:p>
-        </p:txBody>
-      </p:sp>
     </p:spTree>
     <p:extLst>
       <p:ext uri="{BB962C8B-B14F-4D97-AF65-F5344CB8AC3E}">
@@ -26913,48 +27461,6 @@
               <a:t>Predict STATUS using KNN </a:t>
             </a:r>
             <a:endParaRPr dirty="0"/>
-          </a:p>
-        </p:txBody>
-      </p:sp>
-      <p:sp>
-        <p:nvSpPr>
-          <p:cNvPr id="246" name="Google Shape;246;g7585aee8c9_0_0"/>
-          <p:cNvSpPr txBox="1"/>
-          <p:nvPr/>
-        </p:nvSpPr>
-        <p:spPr>
-          <a:xfrm>
-            <a:off x="0" y="6460950"/>
-            <a:ext cx="2023200" cy="365100"/>
-          </a:xfrm>
-          <a:prstGeom prst="rect">
-            <a:avLst/>
-          </a:prstGeom>
-          <a:noFill/>
-          <a:ln>
-            <a:noFill/>
-          </a:ln>
-        </p:spPr>
-        <p:txBody>
-          <a:bodyPr spcFirstLastPara="1" wrap="square" lIns="91425" tIns="91425" rIns="91425" bIns="91425" anchor="t" anchorCtr="0">
-            <a:noAutofit/>
-          </a:bodyPr>
-          <a:lstStyle/>
-          <a:p>
-            <a:pPr marL="0" lvl="0" indent="0" algn="l" rtl="0">
-              <a:spcBef>
-                <a:spcPts val="0"/>
-              </a:spcBef>
-              <a:spcAft>
-                <a:spcPts val="0"/>
-              </a:spcAft>
-              <a:buNone/>
-            </a:pPr>
-            <a:r>
-              <a:rPr lang="en-US"/>
-              <a:t>Haopeng Hu</a:t>
-            </a:r>
-            <a:endParaRPr/>
           </a:p>
         </p:txBody>
       </p:sp>
@@ -27526,48 +28032,6 @@
           </a:p>
         </p:txBody>
       </p:sp>
-      <p:sp>
-        <p:nvSpPr>
-          <p:cNvPr id="246" name="Google Shape;246;g7585aee8c9_0_0"/>
-          <p:cNvSpPr txBox="1"/>
-          <p:nvPr/>
-        </p:nvSpPr>
-        <p:spPr>
-          <a:xfrm>
-            <a:off x="0" y="6460950"/>
-            <a:ext cx="2023200" cy="365100"/>
-          </a:xfrm>
-          <a:prstGeom prst="rect">
-            <a:avLst/>
-          </a:prstGeom>
-          <a:noFill/>
-          <a:ln>
-            <a:noFill/>
-          </a:ln>
-        </p:spPr>
-        <p:txBody>
-          <a:bodyPr spcFirstLastPara="1" wrap="square" lIns="91425" tIns="91425" rIns="91425" bIns="91425" anchor="t" anchorCtr="0">
-            <a:noAutofit/>
-          </a:bodyPr>
-          <a:lstStyle/>
-          <a:p>
-            <a:pPr marL="0" lvl="0" indent="0" algn="l" rtl="0">
-              <a:spcBef>
-                <a:spcPts val="0"/>
-              </a:spcBef>
-              <a:spcAft>
-                <a:spcPts val="0"/>
-              </a:spcAft>
-              <a:buNone/>
-            </a:pPr>
-            <a:r>
-              <a:rPr lang="en-US"/>
-              <a:t>Haopeng Hu</a:t>
-            </a:r>
-            <a:endParaRPr/>
-          </a:p>
-        </p:txBody>
-      </p:sp>
       <p:pic>
         <p:nvPicPr>
           <p:cNvPr id="3" name="图片 2">
@@ -28077,48 +28541,6 @@
               <a:t>Predict STATUS using KNN </a:t>
             </a:r>
             <a:endParaRPr dirty="0"/>
-          </a:p>
-        </p:txBody>
-      </p:sp>
-      <p:sp>
-        <p:nvSpPr>
-          <p:cNvPr id="246" name="Google Shape;246;g7585aee8c9_0_0"/>
-          <p:cNvSpPr txBox="1"/>
-          <p:nvPr/>
-        </p:nvSpPr>
-        <p:spPr>
-          <a:xfrm>
-            <a:off x="0" y="6460950"/>
-            <a:ext cx="2023200" cy="365100"/>
-          </a:xfrm>
-          <a:prstGeom prst="rect">
-            <a:avLst/>
-          </a:prstGeom>
-          <a:noFill/>
-          <a:ln>
-            <a:noFill/>
-          </a:ln>
-        </p:spPr>
-        <p:txBody>
-          <a:bodyPr spcFirstLastPara="1" wrap="square" lIns="91425" tIns="91425" rIns="91425" bIns="91425" anchor="t" anchorCtr="0">
-            <a:noAutofit/>
-          </a:bodyPr>
-          <a:lstStyle/>
-          <a:p>
-            <a:pPr marL="0" lvl="0" indent="0" algn="l" rtl="0">
-              <a:spcBef>
-                <a:spcPts val="0"/>
-              </a:spcBef>
-              <a:spcAft>
-                <a:spcPts val="0"/>
-              </a:spcAft>
-              <a:buNone/>
-            </a:pPr>
-            <a:r>
-              <a:rPr lang="en-US"/>
-              <a:t>Haopeng Hu</a:t>
-            </a:r>
-            <a:endParaRPr/>
           </a:p>
         </p:txBody>
       </p:sp>
@@ -28610,48 +29032,6 @@
           </a:p>
         </p:txBody>
       </p:sp>
-      <p:sp>
-        <p:nvSpPr>
-          <p:cNvPr id="246" name="Google Shape;246;g7585aee8c9_0_0"/>
-          <p:cNvSpPr txBox="1"/>
-          <p:nvPr/>
-        </p:nvSpPr>
-        <p:spPr>
-          <a:xfrm>
-            <a:off x="0" y="6460950"/>
-            <a:ext cx="2023200" cy="365100"/>
-          </a:xfrm>
-          <a:prstGeom prst="rect">
-            <a:avLst/>
-          </a:prstGeom>
-          <a:noFill/>
-          <a:ln>
-            <a:noFill/>
-          </a:ln>
-        </p:spPr>
-        <p:txBody>
-          <a:bodyPr spcFirstLastPara="1" wrap="square" lIns="91425" tIns="91425" rIns="91425" bIns="91425" anchor="t" anchorCtr="0">
-            <a:noAutofit/>
-          </a:bodyPr>
-          <a:lstStyle/>
-          <a:p>
-            <a:pPr marL="0" lvl="0" indent="0" algn="l" rtl="0">
-              <a:spcBef>
-                <a:spcPts val="0"/>
-              </a:spcBef>
-              <a:spcAft>
-                <a:spcPts val="0"/>
-              </a:spcAft>
-              <a:buNone/>
-            </a:pPr>
-            <a:r>
-              <a:rPr lang="en-US"/>
-              <a:t>Haopeng Hu</a:t>
-            </a:r>
-            <a:endParaRPr/>
-          </a:p>
-        </p:txBody>
-      </p:sp>
       <p:pic>
         <p:nvPicPr>
           <p:cNvPr id="8" name="图片 7">
@@ -29151,48 +29531,6 @@
               <a:t>Predict STATUS using Naive Bayes </a:t>
             </a:r>
             <a:endParaRPr dirty="0"/>
-          </a:p>
-        </p:txBody>
-      </p:sp>
-      <p:sp>
-        <p:nvSpPr>
-          <p:cNvPr id="246" name="Google Shape;246;g7585aee8c9_0_0"/>
-          <p:cNvSpPr txBox="1"/>
-          <p:nvPr/>
-        </p:nvSpPr>
-        <p:spPr>
-          <a:xfrm>
-            <a:off x="0" y="6460950"/>
-            <a:ext cx="2023200" cy="365100"/>
-          </a:xfrm>
-          <a:prstGeom prst="rect">
-            <a:avLst/>
-          </a:prstGeom>
-          <a:noFill/>
-          <a:ln>
-            <a:noFill/>
-          </a:ln>
-        </p:spPr>
-        <p:txBody>
-          <a:bodyPr spcFirstLastPara="1" wrap="square" lIns="91425" tIns="91425" rIns="91425" bIns="91425" anchor="t" anchorCtr="0">
-            <a:noAutofit/>
-          </a:bodyPr>
-          <a:lstStyle/>
-          <a:p>
-            <a:pPr marL="0" lvl="0" indent="0" algn="l" rtl="0">
-              <a:spcBef>
-                <a:spcPts val="0"/>
-              </a:spcBef>
-              <a:spcAft>
-                <a:spcPts val="0"/>
-              </a:spcAft>
-              <a:buNone/>
-            </a:pPr>
-            <a:r>
-              <a:rPr lang="en-US"/>
-              <a:t>Haopeng Hu</a:t>
-            </a:r>
-            <a:endParaRPr/>
           </a:p>
         </p:txBody>
       </p:sp>

--- a/Final_Project DaoyuanChen_ HaopengHU.pptx
+++ b/Final_Project DaoyuanChen_ HaopengHU.pptx
@@ -308,7 +308,7 @@
       </p15:notesGuideLst>
     </p:ext>
     <p:ext uri="http://customooxmlschemas.google.com/">
-      <go:slidesCustomData xmlns="" xmlns:mc="http://schemas.openxmlformats.org/markup-compatibility/2006" xmlns:mv="urn:schemas-microsoft-com:mac:vml" xmlns:c="http://schemas.openxmlformats.org/drawingml/2006/chart" xmlns:dgm="http://schemas.openxmlformats.org/drawingml/2006/diagram" xmlns:o="urn:schemas-microsoft-com:office:office" xmlns:v="urn:schemas-microsoft-com:vml" xmlns:pvml="urn:schemas-microsoft-com:office:powerpoint" xmlns:com="http://schemas.openxmlformats.org/drawingml/2006/compatibility" xmlns:p14="http://schemas.microsoft.com/office/powerpoint/2010/main" xmlns:p15="http://schemas.microsoft.com/office/powerpoint/2012/main" xmlns:go="http://customooxmlschemas.google.com/" r:id="rId37" roundtripDataSignature="AMtx7mgw72jTQx/twtUvsrbXHMWFhgikoA=="/>
+      <go:slidesCustomData xmlns:go="http://customooxmlschemas.google.com/" xmlns:p15="http://schemas.microsoft.com/office/powerpoint/2012/main" xmlns:p14="http://schemas.microsoft.com/office/powerpoint/2010/main" xmlns:com="http://schemas.openxmlformats.org/drawingml/2006/compatibility" xmlns:pvml="urn:schemas-microsoft-com:office:powerpoint" xmlns:v="urn:schemas-microsoft-com:vml" xmlns:o="urn:schemas-microsoft-com:office:office" xmlns:dgm="http://schemas.openxmlformats.org/drawingml/2006/diagram" xmlns:c="http://schemas.openxmlformats.org/drawingml/2006/chart" xmlns:mv="urn:schemas-microsoft-com:mac:vml" xmlns:mc="http://schemas.openxmlformats.org/markup-compatibility/2006" xmlns="" r:id="rId37" roundtripDataSignature="AMtx7mgw72jTQx/twtUvsrbXHMWFhgikoA=="/>
     </p:ext>
   </p:extLst>
 </p:presentation>
@@ -24709,7 +24709,7 @@
               <a:buNone/>
             </a:pPr>
             <a:r>
-              <a:rPr lang="en-US" sz="1800" b="1" dirty="0">
+              <a:rPr lang="en-US" sz="1800" b="1">
                 <a:solidFill>
                   <a:schemeClr val="dk2"/>
                 </a:solidFill>
@@ -24718,7 +24718,19 @@
                 <a:cs typeface="Times New Roman"/>
                 <a:sym typeface="Times New Roman"/>
               </a:rPr>
-              <a:t>The error rate of KNN models are 0.3866158(K=3), 0.3863691(k=5), 0.3692788(K=10)</a:t>
+              <a:t>The </a:t>
+            </a:r>
+            <a:r>
+              <a:rPr lang="en-US" sz="1800" b="1" dirty="0">
+                <a:solidFill>
+                  <a:schemeClr val="dk2"/>
+                </a:solidFill>
+                <a:latin typeface="Times New Roman"/>
+                <a:ea typeface="Times New Roman"/>
+                <a:cs typeface="Times New Roman"/>
+                <a:sym typeface="Times New Roman"/>
+              </a:rPr>
+              <a:t>error rate of KNN models are 0.3866158(K=3), 0.3863691(k=5), 0.3692788(K=10)</a:t>
             </a:r>
           </a:p>
           <a:p>
